--- a/课程/5/5.pptx
+++ b/课程/5/5.pptx
@@ -21,23 +21,6 @@
     <p:sldId id="269" r:id="rId15"/>
     <p:sldId id="270" r:id="rId16"/>
     <p:sldId id="271" r:id="rId17"/>
-    <p:sldId id="272" r:id="rId18"/>
-    <p:sldId id="273" r:id="rId19"/>
-    <p:sldId id="274" r:id="rId20"/>
-    <p:sldId id="275" r:id="rId21"/>
-    <p:sldId id="278" r:id="rId22"/>
-    <p:sldId id="277" r:id="rId23"/>
-    <p:sldId id="276" r:id="rId24"/>
-    <p:sldId id="279" r:id="rId25"/>
-    <p:sldId id="280" r:id="rId26"/>
-    <p:sldId id="281" r:id="rId27"/>
-    <p:sldId id="282" r:id="rId28"/>
-    <p:sldId id="284" r:id="rId29"/>
-    <p:sldId id="287" r:id="rId30"/>
-    <p:sldId id="285" r:id="rId31"/>
-    <p:sldId id="283" r:id="rId32"/>
-    <p:sldId id="310" r:id="rId33"/>
-    <p:sldId id="286" r:id="rId34"/>
   </p:sldIdLst>
   <p:sldSz cx="12192000" cy="6858000"/>
   <p:notesSz cx="6858000" cy="9144000"/>
@@ -157,23 +140,6 @@
             <p14:sldId id="269"/>
             <p14:sldId id="270"/>
             <p14:sldId id="271"/>
-            <p14:sldId id="272"/>
-            <p14:sldId id="273"/>
-            <p14:sldId id="274"/>
-            <p14:sldId id="275"/>
-            <p14:sldId id="278"/>
-            <p14:sldId id="277"/>
-            <p14:sldId id="276"/>
-            <p14:sldId id="279"/>
-            <p14:sldId id="280"/>
-            <p14:sldId id="281"/>
-            <p14:sldId id="282"/>
-            <p14:sldId id="284"/>
-            <p14:sldId id="287"/>
-            <p14:sldId id="285"/>
-            <p14:sldId id="283"/>
-            <p14:sldId id="310"/>
-            <p14:sldId id="286"/>
           </p14:sldIdLst>
         </p14:section>
       </p14:sectionLst>
@@ -701,7 +667,7 @@
           <a:p>
             <a:fld id="{530820CF-B880-4189-942D-D702A7CBA730}" type="datetimeFigureOut">
               <a:rPr lang="zh-CN" altLang="en-US" smtClean="0"/>
-              <a:t>2021/7/8</a:t>
+              <a:t>2022/6/24</a:t>
             </a:fld>
             <a:endParaRPr lang="zh-CN" altLang="en-US"/>
           </a:p>
@@ -1100,7 +1066,7 @@
           <a:p>
             <a:fld id="{530820CF-B880-4189-942D-D702A7CBA730}" type="datetimeFigureOut">
               <a:rPr lang="zh-CN" altLang="en-US" smtClean="0"/>
-              <a:t>2021/7/8</a:t>
+              <a:t>2022/6/24</a:t>
             </a:fld>
             <a:endParaRPr lang="zh-CN" altLang="en-US"/>
           </a:p>
@@ -1360,7 +1326,7 @@
           <a:p>
             <a:fld id="{530820CF-B880-4189-942D-D702A7CBA730}" type="datetimeFigureOut">
               <a:rPr lang="zh-CN" altLang="en-US" smtClean="0"/>
-              <a:t>2021/7/8</a:t>
+              <a:t>2022/6/24</a:t>
             </a:fld>
             <a:endParaRPr lang="zh-CN" altLang="en-US"/>
           </a:p>
@@ -1912,7 +1878,7 @@
           <a:p>
             <a:fld id="{530820CF-B880-4189-942D-D702A7CBA730}" type="datetimeFigureOut">
               <a:rPr lang="zh-CN" altLang="en-US" smtClean="0"/>
-              <a:t>2021/7/8</a:t>
+              <a:t>2022/6/24</a:t>
             </a:fld>
             <a:endParaRPr lang="zh-CN" altLang="en-US"/>
           </a:p>
@@ -2172,7 +2138,7 @@
           <a:p>
             <a:fld id="{530820CF-B880-4189-942D-D702A7CBA730}" type="datetimeFigureOut">
               <a:rPr lang="zh-CN" altLang="en-US" smtClean="0"/>
-              <a:t>2021/7/8</a:t>
+              <a:t>2022/6/24</a:t>
             </a:fld>
             <a:endParaRPr lang="zh-CN" altLang="en-US"/>
           </a:p>
@@ -2716,7 +2682,7 @@
           <a:p>
             <a:fld id="{530820CF-B880-4189-942D-D702A7CBA730}" type="datetimeFigureOut">
               <a:rPr lang="zh-CN" altLang="en-US" smtClean="0"/>
-              <a:t>2021/7/8</a:t>
+              <a:t>2022/6/24</a:t>
             </a:fld>
             <a:endParaRPr lang="zh-CN" altLang="en-US"/>
           </a:p>
@@ -3025,7 +2991,7 @@
           <a:p>
             <a:fld id="{530820CF-B880-4189-942D-D702A7CBA730}" type="datetimeFigureOut">
               <a:rPr lang="zh-CN" altLang="en-US" smtClean="0"/>
-              <a:t>2021/7/8</a:t>
+              <a:t>2022/6/24</a:t>
             </a:fld>
             <a:endParaRPr lang="zh-CN" altLang="en-US"/>
           </a:p>
@@ -3211,7 +3177,7 @@
           <a:p>
             <a:fld id="{530820CF-B880-4189-942D-D702A7CBA730}" type="datetimeFigureOut">
               <a:rPr lang="zh-CN" altLang="en-US" smtClean="0"/>
-              <a:t>2021/7/8</a:t>
+              <a:t>2022/6/24</a:t>
             </a:fld>
             <a:endParaRPr lang="zh-CN" altLang="en-US"/>
           </a:p>
@@ -3403,7 +3369,7 @@
           <a:p>
             <a:fld id="{530820CF-B880-4189-942D-D702A7CBA730}" type="datetimeFigureOut">
               <a:rPr lang="zh-CN" altLang="en-US" smtClean="0"/>
-              <a:t>2021/7/8</a:t>
+              <a:t>2022/6/24</a:t>
             </a:fld>
             <a:endParaRPr lang="zh-CN" altLang="en-US"/>
           </a:p>
@@ -3600,7 +3566,7 @@
           <a:p>
             <a:fld id="{530820CF-B880-4189-942D-D702A7CBA730}" type="datetimeFigureOut">
               <a:rPr lang="zh-CN" altLang="en-US" smtClean="0"/>
-              <a:t>2021/7/8</a:t>
+              <a:t>2022/6/24</a:t>
             </a:fld>
             <a:endParaRPr lang="zh-CN" altLang="en-US"/>
           </a:p>
@@ -3868,7 +3834,7 @@
           <a:p>
             <a:fld id="{530820CF-B880-4189-942D-D702A7CBA730}" type="datetimeFigureOut">
               <a:rPr lang="zh-CN" altLang="en-US" smtClean="0"/>
-              <a:t>2021/7/8</a:t>
+              <a:t>2022/6/24</a:t>
             </a:fld>
             <a:endParaRPr lang="zh-CN" altLang="en-US"/>
           </a:p>
@@ -4182,7 +4148,7 @@
           <a:p>
             <a:fld id="{530820CF-B880-4189-942D-D702A7CBA730}" type="datetimeFigureOut">
               <a:rPr lang="zh-CN" altLang="en-US" smtClean="0"/>
-              <a:t>2021/7/8</a:t>
+              <a:t>2022/6/24</a:t>
             </a:fld>
             <a:endParaRPr lang="zh-CN" altLang="en-US"/>
           </a:p>
@@ -4636,7 +4602,7 @@
           <a:p>
             <a:fld id="{530820CF-B880-4189-942D-D702A7CBA730}" type="datetimeFigureOut">
               <a:rPr lang="zh-CN" altLang="en-US" smtClean="0"/>
-              <a:t>2021/7/8</a:t>
+              <a:t>2022/6/24</a:t>
             </a:fld>
             <a:endParaRPr lang="zh-CN" altLang="en-US"/>
           </a:p>
@@ -4766,7 +4732,7 @@
           <a:p>
             <a:fld id="{530820CF-B880-4189-942D-D702A7CBA730}" type="datetimeFigureOut">
               <a:rPr lang="zh-CN" altLang="en-US" smtClean="0"/>
-              <a:t>2021/7/8</a:t>
+              <a:t>2022/6/24</a:t>
             </a:fld>
             <a:endParaRPr lang="zh-CN" altLang="en-US"/>
           </a:p>
@@ -4873,7 +4839,7 @@
           <a:p>
             <a:fld id="{530820CF-B880-4189-942D-D702A7CBA730}" type="datetimeFigureOut">
               <a:rPr lang="zh-CN" altLang="en-US" smtClean="0"/>
-              <a:t>2021/7/8</a:t>
+              <a:t>2022/6/24</a:t>
             </a:fld>
             <a:endParaRPr lang="zh-CN" altLang="en-US"/>
           </a:p>
@@ -5168,7 +5134,7 @@
           <a:p>
             <a:fld id="{530820CF-B880-4189-942D-D702A7CBA730}" type="datetimeFigureOut">
               <a:rPr lang="zh-CN" altLang="en-US" smtClean="0"/>
-              <a:t>2021/7/8</a:t>
+              <a:t>2022/6/24</a:t>
             </a:fld>
             <a:endParaRPr lang="zh-CN" altLang="en-US"/>
           </a:p>
@@ -5471,7 +5437,7 @@
           <a:p>
             <a:fld id="{530820CF-B880-4189-942D-D702A7CBA730}" type="datetimeFigureOut">
               <a:rPr lang="zh-CN" altLang="en-US" smtClean="0"/>
-              <a:t>2021/7/8</a:t>
+              <a:t>2022/6/24</a:t>
             </a:fld>
             <a:endParaRPr lang="zh-CN" altLang="en-US"/>
           </a:p>
@@ -6007,7 +5973,7 @@
           <a:p>
             <a:fld id="{530820CF-B880-4189-942D-D702A7CBA730}" type="datetimeFigureOut">
               <a:rPr lang="zh-CN" altLang="en-US" smtClean="0"/>
-              <a:t>2021/7/8</a:t>
+              <a:t>2022/6/24</a:t>
             </a:fld>
             <a:endParaRPr lang="zh-CN" altLang="en-US"/>
           </a:p>
@@ -6573,7 +6539,7 @@
             <a:pPr algn="ctr"/>
             <a:r>
               <a:rPr lang="en-US" altLang="zh-CN" b="1" dirty="0"/>
-              <a:t>2021</a:t>
+              <a:t>2022</a:t>
             </a:r>
             <a:r>
               <a:rPr lang="zh-CN" altLang="en-US" b="1" dirty="0"/>
@@ -6641,6 +6607,36 @@
           </a:p>
         </p:txBody>
       </p:sp>
+      <p:pic>
+        <p:nvPicPr>
+          <p:cNvPr id="4" name="图片 3">
+            <a:extLst>
+              <a:ext uri="{FF2B5EF4-FFF2-40B4-BE49-F238E27FC236}">
+                <a16:creationId xmlns:a16="http://schemas.microsoft.com/office/drawing/2014/main" id="{925AE539-53C9-D87F-27FC-159F0B1E3900}"/>
+              </a:ext>
+            </a:extLst>
+          </p:cNvPr>
+          <p:cNvPicPr>
+            <a:picLocks noChangeAspect="1"/>
+          </p:cNvPicPr>
+          <p:nvPr/>
+        </p:nvPicPr>
+        <p:blipFill>
+          <a:blip r:embed="rId2"/>
+          <a:stretch>
+            <a:fillRect/>
+          </a:stretch>
+        </p:blipFill>
+        <p:spPr>
+          <a:xfrm>
+            <a:off x="6877686" y="7620"/>
+            <a:ext cx="3772535" cy="673100"/>
+          </a:xfrm>
+          <a:prstGeom prst="rect">
+            <a:avLst/>
+          </a:prstGeom>
+        </p:spPr>
+      </p:pic>
     </p:spTree>
   </p:cSld>
   <p:clrMapOvr>
@@ -6843,6 +6839,36 @@
           </a:p>
         </p:txBody>
       </p:sp>
+      <p:pic>
+        <p:nvPicPr>
+          <p:cNvPr id="4" name="图片 3">
+            <a:extLst>
+              <a:ext uri="{FF2B5EF4-FFF2-40B4-BE49-F238E27FC236}">
+                <a16:creationId xmlns:a16="http://schemas.microsoft.com/office/drawing/2014/main" id="{0A387F34-5322-FA08-9600-0B2D68788644}"/>
+              </a:ext>
+            </a:extLst>
+          </p:cNvPr>
+          <p:cNvPicPr>
+            <a:picLocks noChangeAspect="1"/>
+          </p:cNvPicPr>
+          <p:nvPr/>
+        </p:nvPicPr>
+        <p:blipFill>
+          <a:blip r:embed="rId2"/>
+          <a:stretch>
+            <a:fillRect/>
+          </a:stretch>
+        </p:blipFill>
+        <p:spPr>
+          <a:xfrm>
+            <a:off x="6877686" y="7620"/>
+            <a:ext cx="3772535" cy="673100"/>
+          </a:xfrm>
+          <a:prstGeom prst="rect">
+            <a:avLst/>
+          </a:prstGeom>
+        </p:spPr>
+      </p:pic>
     </p:spTree>
     <p:extLst>
       <p:ext uri="{BB962C8B-B14F-4D97-AF65-F5344CB8AC3E}">
@@ -7136,6 +7162,36 @@
           </a:p>
         </p:txBody>
       </p:sp>
+      <p:pic>
+        <p:nvPicPr>
+          <p:cNvPr id="4" name="图片 3">
+            <a:extLst>
+              <a:ext uri="{FF2B5EF4-FFF2-40B4-BE49-F238E27FC236}">
+                <a16:creationId xmlns:a16="http://schemas.microsoft.com/office/drawing/2014/main" id="{BEE59CA3-E62A-9A30-A084-6F613AA96D78}"/>
+              </a:ext>
+            </a:extLst>
+          </p:cNvPr>
+          <p:cNvPicPr>
+            <a:picLocks noChangeAspect="1"/>
+          </p:cNvPicPr>
+          <p:nvPr/>
+        </p:nvPicPr>
+        <p:blipFill>
+          <a:blip r:embed="rId2"/>
+          <a:stretch>
+            <a:fillRect/>
+          </a:stretch>
+        </p:blipFill>
+        <p:spPr>
+          <a:xfrm>
+            <a:off x="6877686" y="7620"/>
+            <a:ext cx="3772535" cy="673100"/>
+          </a:xfrm>
+          <a:prstGeom prst="rect">
+            <a:avLst/>
+          </a:prstGeom>
+        </p:spPr>
+      </p:pic>
     </p:spTree>
     <p:extLst>
       <p:ext uri="{BB962C8B-B14F-4D97-AF65-F5344CB8AC3E}">
@@ -7334,6 +7390,36 @@
           </a:p>
         </p:txBody>
       </p:sp>
+      <p:pic>
+        <p:nvPicPr>
+          <p:cNvPr id="4" name="图片 3">
+            <a:extLst>
+              <a:ext uri="{FF2B5EF4-FFF2-40B4-BE49-F238E27FC236}">
+                <a16:creationId xmlns:a16="http://schemas.microsoft.com/office/drawing/2014/main" id="{D90A1D5F-66B7-14BE-8265-E31F24244C8A}"/>
+              </a:ext>
+            </a:extLst>
+          </p:cNvPr>
+          <p:cNvPicPr>
+            <a:picLocks noChangeAspect="1"/>
+          </p:cNvPicPr>
+          <p:nvPr/>
+        </p:nvPicPr>
+        <p:blipFill>
+          <a:blip r:embed="rId2"/>
+          <a:stretch>
+            <a:fillRect/>
+          </a:stretch>
+        </p:blipFill>
+        <p:spPr>
+          <a:xfrm>
+            <a:off x="6877686" y="7620"/>
+            <a:ext cx="3772535" cy="673100"/>
+          </a:xfrm>
+          <a:prstGeom prst="rect">
+            <a:avLst/>
+          </a:prstGeom>
+        </p:spPr>
+      </p:pic>
     </p:spTree>
     <p:extLst>
       <p:ext uri="{BB962C8B-B14F-4D97-AF65-F5344CB8AC3E}">
@@ -7506,6 +7592,36 @@
           <a:ln w="9525">
             <a:noFill/>
           </a:ln>
+        </p:spPr>
+      </p:pic>
+      <p:pic>
+        <p:nvPicPr>
+          <p:cNvPr id="5" name="图片 4">
+            <a:extLst>
+              <a:ext uri="{FF2B5EF4-FFF2-40B4-BE49-F238E27FC236}">
+                <a16:creationId xmlns:a16="http://schemas.microsoft.com/office/drawing/2014/main" id="{F2D0401E-BD93-D460-FB25-67D2DC20D8EA}"/>
+              </a:ext>
+            </a:extLst>
+          </p:cNvPr>
+          <p:cNvPicPr>
+            <a:picLocks noChangeAspect="1"/>
+          </p:cNvPicPr>
+          <p:nvPr/>
+        </p:nvPicPr>
+        <p:blipFill>
+          <a:blip r:embed="rId3"/>
+          <a:stretch>
+            <a:fillRect/>
+          </a:stretch>
+        </p:blipFill>
+        <p:spPr>
+          <a:xfrm>
+            <a:off x="6877686" y="7620"/>
+            <a:ext cx="3772535" cy="673100"/>
+          </a:xfrm>
+          <a:prstGeom prst="rect">
+            <a:avLst/>
+          </a:prstGeom>
         </p:spPr>
       </p:pic>
     </p:spTree>
@@ -7726,6 +7842,36 @@
           </a:p>
         </p:txBody>
       </p:sp>
+      <p:pic>
+        <p:nvPicPr>
+          <p:cNvPr id="4" name="图片 3">
+            <a:extLst>
+              <a:ext uri="{FF2B5EF4-FFF2-40B4-BE49-F238E27FC236}">
+                <a16:creationId xmlns:a16="http://schemas.microsoft.com/office/drawing/2014/main" id="{81648939-94D9-F21D-1ECC-1686A04D5FD1}"/>
+              </a:ext>
+            </a:extLst>
+          </p:cNvPr>
+          <p:cNvPicPr>
+            <a:picLocks noChangeAspect="1"/>
+          </p:cNvPicPr>
+          <p:nvPr/>
+        </p:nvPicPr>
+        <p:blipFill>
+          <a:blip r:embed="rId2"/>
+          <a:stretch>
+            <a:fillRect/>
+          </a:stretch>
+        </p:blipFill>
+        <p:spPr>
+          <a:xfrm>
+            <a:off x="6877686" y="7620"/>
+            <a:ext cx="3772535" cy="673100"/>
+          </a:xfrm>
+          <a:prstGeom prst="rect">
+            <a:avLst/>
+          </a:prstGeom>
+        </p:spPr>
+      </p:pic>
     </p:spTree>
     <p:extLst>
       <p:ext uri="{BB962C8B-B14F-4D97-AF65-F5344CB8AC3E}">
@@ -7949,6 +8095,36 @@
           </a:p>
         </p:txBody>
       </p:sp>
+      <p:pic>
+        <p:nvPicPr>
+          <p:cNvPr id="4" name="图片 3">
+            <a:extLst>
+              <a:ext uri="{FF2B5EF4-FFF2-40B4-BE49-F238E27FC236}">
+                <a16:creationId xmlns:a16="http://schemas.microsoft.com/office/drawing/2014/main" id="{9C3F8382-B8AA-753A-89E4-BDF7F6A2B91B}"/>
+              </a:ext>
+            </a:extLst>
+          </p:cNvPr>
+          <p:cNvPicPr>
+            <a:picLocks noChangeAspect="1"/>
+          </p:cNvPicPr>
+          <p:nvPr/>
+        </p:nvPicPr>
+        <p:blipFill>
+          <a:blip r:embed="rId2"/>
+          <a:stretch>
+            <a:fillRect/>
+          </a:stretch>
+        </p:blipFill>
+        <p:spPr>
+          <a:xfrm>
+            <a:off x="6877686" y="7620"/>
+            <a:ext cx="3772535" cy="673100"/>
+          </a:xfrm>
+          <a:prstGeom prst="rect">
+            <a:avLst/>
+          </a:prstGeom>
+        </p:spPr>
+      </p:pic>
     </p:spTree>
     <p:extLst>
       <p:ext uri="{BB962C8B-B14F-4D97-AF65-F5344CB8AC3E}">
@@ -8053,208 +8229,12 @@
           </a:prstGeom>
         </p:spPr>
       </p:pic>
-    </p:spTree>
-    <p:extLst>
-      <p:ext uri="{BB962C8B-B14F-4D97-AF65-F5344CB8AC3E}">
-        <p14:creationId xmlns:p14="http://schemas.microsoft.com/office/powerpoint/2010/main" val="2947918568"/>
-      </p:ext>
-    </p:extLst>
-  </p:cSld>
-  <p:clrMapOvr>
-    <a:masterClrMapping/>
-  </p:clrMapOvr>
-  <mc:AlternateContent xmlns:mc="http://schemas.openxmlformats.org/markup-compatibility/2006" xmlns:p14="http://schemas.microsoft.com/office/powerpoint/2010/main">
-    <mc:Choice Requires="p14">
-      <p:transition spd="slow" p14:dur="1250">
-        <p:push dir="u"/>
-      </p:transition>
-    </mc:Choice>
-    <mc:Fallback xmlns="">
-      <p:transition spd="slow">
-        <p:push dir="u"/>
-      </p:transition>
-    </mc:Fallback>
-  </mc:AlternateContent>
-</p:sld>
-</file>
-
-<file path=ppt/slides/slide17.xml><?xml version="1.0" encoding="utf-8"?>
-<p:sld xmlns:a="http://schemas.openxmlformats.org/drawingml/2006/main" xmlns:r="http://schemas.openxmlformats.org/officeDocument/2006/relationships" xmlns:p="http://schemas.openxmlformats.org/presentationml/2006/main">
-  <p:cSld>
-    <p:spTree>
-      <p:nvGrpSpPr>
-        <p:cNvPr id="1" name=""/>
-        <p:cNvGrpSpPr/>
-        <p:nvPr/>
-      </p:nvGrpSpPr>
-      <p:grpSpPr>
-        <a:xfrm>
-          <a:off x="0" y="0"/>
-          <a:ext cx="0" cy="0"/>
-          <a:chOff x="0" y="0"/>
-          <a:chExt cx="0" cy="0"/>
-        </a:xfrm>
-      </p:grpSpPr>
-      <p:sp>
-        <p:nvSpPr>
-          <p:cNvPr id="2" name="标题 1">
+      <p:pic>
+        <p:nvPicPr>
+          <p:cNvPr id="5" name="图片 4">
             <a:extLst>
               <a:ext uri="{FF2B5EF4-FFF2-40B4-BE49-F238E27FC236}">
-                <a16:creationId xmlns:a16="http://schemas.microsoft.com/office/drawing/2014/main" id="{DB1677D5-6512-41FA-8597-FB4FB7634383}"/>
-              </a:ext>
-            </a:extLst>
-          </p:cNvPr>
-          <p:cNvSpPr>
-            <a:spLocks noGrp="1"/>
-          </p:cNvSpPr>
-          <p:nvPr>
-            <p:ph type="title"/>
-          </p:nvPr>
-        </p:nvSpPr>
-        <p:spPr/>
-        <p:txBody>
-          <a:bodyPr/>
-          <a:lstStyle/>
-          <a:p>
-            <a:pPr algn="ctr"/>
-            <a:r>
-              <a:rPr lang="zh-CN" altLang="en-US" dirty="0"/>
-              <a:t>声控模块</a:t>
-            </a:r>
-          </a:p>
-        </p:txBody>
-      </p:sp>
-      <p:sp>
-        <p:nvSpPr>
-          <p:cNvPr id="3" name="内容占位符 2">
-            <a:extLst>
-              <a:ext uri="{FF2B5EF4-FFF2-40B4-BE49-F238E27FC236}">
-                <a16:creationId xmlns:a16="http://schemas.microsoft.com/office/drawing/2014/main" id="{2C79021A-DD1D-4569-B1D4-4FD34FC0009D}"/>
-              </a:ext>
-            </a:extLst>
-          </p:cNvPr>
-          <p:cNvSpPr>
-            <a:spLocks noGrp="1"/>
-          </p:cNvSpPr>
-          <p:nvPr>
-            <p:ph idx="1"/>
-          </p:nvPr>
-        </p:nvSpPr>
-        <p:spPr/>
-        <p:txBody>
-          <a:bodyPr>
-            <a:normAutofit fontScale="85000" lnSpcReduction="10000"/>
-          </a:bodyPr>
-          <a:lstStyle/>
-          <a:p>
-            <a:r>
-              <a:rPr lang="zh-CN" altLang="en-US" dirty="0"/>
-              <a:t>模块的电位器（铜制的旋钮）可以调节灵敏度。顺时针旋转变小，逆时针变大。所以若没有反应，就调节它。</a:t>
-            </a:r>
-            <a:endParaRPr lang="en-US" altLang="zh-CN" dirty="0"/>
-          </a:p>
-          <a:p>
-            <a:pPr marL="0" indent="0">
-              <a:buNone/>
-            </a:pPr>
-            <a:endParaRPr lang="en-US" altLang="zh-CN" dirty="0"/>
-          </a:p>
-          <a:p>
-            <a:pPr marL="0" indent="0">
-              <a:buNone/>
-            </a:pPr>
-            <a:endParaRPr lang="en-US" altLang="zh-CN" dirty="0"/>
-          </a:p>
-          <a:p>
-            <a:r>
-              <a:rPr lang="en-US" altLang="zh-CN" dirty="0"/>
-              <a:t>4</a:t>
-            </a:r>
-            <a:r>
-              <a:rPr lang="zh-CN" altLang="en-US" dirty="0"/>
-              <a:t>个引脚</a:t>
-            </a:r>
-          </a:p>
-          <a:p>
-            <a:pPr lvl="1"/>
-            <a:r>
-              <a:rPr lang="en-US" altLang="zh-CN" dirty="0"/>
-              <a:t>G</a:t>
-            </a:r>
-            <a:r>
-              <a:rPr lang="zh-CN" altLang="en-US" dirty="0"/>
-              <a:t>，</a:t>
-            </a:r>
-            <a:r>
-              <a:rPr lang="en-US" altLang="zh-CN" dirty="0"/>
-              <a:t>GND</a:t>
-            </a:r>
-          </a:p>
-          <a:p>
-            <a:pPr lvl="1"/>
-            <a:r>
-              <a:rPr lang="en-US" altLang="zh-CN" dirty="0"/>
-              <a:t>+</a:t>
-            </a:r>
-            <a:r>
-              <a:rPr lang="zh-CN" altLang="en-US" dirty="0"/>
-              <a:t>，</a:t>
-            </a:r>
-            <a:r>
-              <a:rPr lang="en-US" altLang="zh-CN" dirty="0"/>
-              <a:t>+5V</a:t>
-            </a:r>
-          </a:p>
-          <a:p>
-            <a:pPr lvl="1"/>
-            <a:r>
-              <a:rPr lang="en-US" altLang="zh-CN" dirty="0"/>
-              <a:t>A0</a:t>
-            </a:r>
-            <a:r>
-              <a:rPr lang="zh-CN" altLang="en-US" dirty="0"/>
-              <a:t>，模拟量输出，实时输出麦克风的电压信号</a:t>
-            </a:r>
-          </a:p>
-          <a:p>
-            <a:pPr lvl="1"/>
-            <a:r>
-              <a:rPr lang="en-US" altLang="zh-CN" dirty="0"/>
-              <a:t>D0</a:t>
-            </a:r>
-            <a:r>
-              <a:rPr lang="zh-CN" altLang="en-US" dirty="0"/>
-              <a:t>，当声音强度到达某个阀值时，输出高低电平信号，</a:t>
-            </a:r>
-            <a:r>
-              <a:rPr lang="en-US" altLang="zh-CN" dirty="0"/>
-              <a:t>[</a:t>
-            </a:r>
-            <a:r>
-              <a:rPr lang="zh-CN" altLang="en-US" dirty="0"/>
-              <a:t>阀值</a:t>
-            </a:r>
-            <a:r>
-              <a:rPr lang="en-US" altLang="zh-CN" dirty="0"/>
-              <a:t>-</a:t>
-            </a:r>
-            <a:r>
-              <a:rPr lang="zh-CN" altLang="en-US" dirty="0"/>
-              <a:t>灵敏度可以通过电位器调节</a:t>
-            </a:r>
-            <a:r>
-              <a:rPr lang="en-US" altLang="zh-CN" dirty="0"/>
-              <a:t>]</a:t>
-            </a:r>
-          </a:p>
-        </p:txBody>
-      </p:sp>
-      <p:pic>
-        <p:nvPicPr>
-          <p:cNvPr id="4" name="图片 3">
-            <a:extLst>
-              <a:ext uri="{FF2B5EF4-FFF2-40B4-BE49-F238E27FC236}">
-                <a16:creationId xmlns:a16="http://schemas.microsoft.com/office/drawing/2014/main" id="{072D6E1D-E35E-4546-83EE-2792C4926E51}"/>
+                <a16:creationId xmlns:a16="http://schemas.microsoft.com/office/drawing/2014/main" id="{DD734120-AE12-B9AE-8DB0-CEBBB677258F}"/>
               </a:ext>
             </a:extLst>
           </p:cNvPr>
@@ -8264,15 +8244,15 @@
           <p:nvPr/>
         </p:nvPicPr>
         <p:blipFill>
-          <a:blip r:embed="rId2"/>
+          <a:blip r:embed="rId3"/>
           <a:stretch>
             <a:fillRect/>
           </a:stretch>
         </p:blipFill>
         <p:spPr>
           <a:xfrm>
-            <a:off x="7051936" y="3258532"/>
-            <a:ext cx="3971925" cy="1981200"/>
+            <a:off x="6877686" y="7620"/>
+            <a:ext cx="3772535" cy="673100"/>
           </a:xfrm>
           <a:prstGeom prst="rect">
             <a:avLst/>
@@ -8282,280 +8262,7 @@
     </p:spTree>
     <p:extLst>
       <p:ext uri="{BB962C8B-B14F-4D97-AF65-F5344CB8AC3E}">
-        <p14:creationId xmlns:p14="http://schemas.microsoft.com/office/powerpoint/2010/main" val="947153836"/>
-      </p:ext>
-    </p:extLst>
-  </p:cSld>
-  <p:clrMapOvr>
-    <a:masterClrMapping/>
-  </p:clrMapOvr>
-  <mc:AlternateContent xmlns:mc="http://schemas.openxmlformats.org/markup-compatibility/2006" xmlns:p14="http://schemas.microsoft.com/office/powerpoint/2010/main">
-    <mc:Choice Requires="p14">
-      <p:transition spd="slow" p14:dur="1250">
-        <p:push dir="u"/>
-      </p:transition>
-    </mc:Choice>
-    <mc:Fallback xmlns="">
-      <p:transition spd="slow">
-        <p:push dir="u"/>
-      </p:transition>
-    </mc:Fallback>
-  </mc:AlternateContent>
-</p:sld>
-</file>
-
-<file path=ppt/slides/slide18.xml><?xml version="1.0" encoding="utf-8"?>
-<p:sld xmlns:a="http://schemas.openxmlformats.org/drawingml/2006/main" xmlns:r="http://schemas.openxmlformats.org/officeDocument/2006/relationships" xmlns:p="http://schemas.openxmlformats.org/presentationml/2006/main">
-  <p:cSld>
-    <p:spTree>
-      <p:nvGrpSpPr>
-        <p:cNvPr id="1" name=""/>
-        <p:cNvGrpSpPr/>
-        <p:nvPr/>
-      </p:nvGrpSpPr>
-      <p:grpSpPr>
-        <a:xfrm>
-          <a:off x="0" y="0"/>
-          <a:ext cx="0" cy="0"/>
-          <a:chOff x="0" y="0"/>
-          <a:chExt cx="0" cy="0"/>
-        </a:xfrm>
-      </p:grpSpPr>
-      <p:sp>
-        <p:nvSpPr>
-          <p:cNvPr id="2" name="标题 1">
-            <a:extLst>
-              <a:ext uri="{FF2B5EF4-FFF2-40B4-BE49-F238E27FC236}">
-                <a16:creationId xmlns:a16="http://schemas.microsoft.com/office/drawing/2014/main" id="{D89F3CD0-19B5-4580-B08E-985ECFDF89E1}"/>
-              </a:ext>
-            </a:extLst>
-          </p:cNvPr>
-          <p:cNvSpPr>
-            <a:spLocks noGrp="1"/>
-          </p:cNvSpPr>
-          <p:nvPr>
-            <p:ph type="title"/>
-          </p:nvPr>
-        </p:nvSpPr>
-        <p:spPr/>
-        <p:txBody>
-          <a:bodyPr/>
-          <a:lstStyle/>
-          <a:p>
-            <a:pPr algn="ctr"/>
-            <a:r>
-              <a:rPr lang="zh-CN" altLang="en-US" dirty="0"/>
-              <a:t>实验</a:t>
-            </a:r>
-            <a:r>
-              <a:rPr lang="en-US" altLang="zh-CN" dirty="0"/>
-              <a:t>25</a:t>
-            </a:r>
-            <a:r>
-              <a:rPr lang="zh-CN" altLang="en-US" dirty="0"/>
-              <a:t>：声控灯</a:t>
-            </a:r>
-          </a:p>
-        </p:txBody>
-      </p:sp>
-      <p:sp>
-        <p:nvSpPr>
-          <p:cNvPr id="3" name="内容占位符 2">
-            <a:extLst>
-              <a:ext uri="{FF2B5EF4-FFF2-40B4-BE49-F238E27FC236}">
-                <a16:creationId xmlns:a16="http://schemas.microsoft.com/office/drawing/2014/main" id="{66EE7FA2-DACC-4E81-8C47-762A488BB32C}"/>
-              </a:ext>
-            </a:extLst>
-          </p:cNvPr>
-          <p:cNvSpPr>
-            <a:spLocks noGrp="1"/>
-          </p:cNvSpPr>
-          <p:nvPr>
-            <p:ph idx="1"/>
-          </p:nvPr>
-        </p:nvSpPr>
-        <p:spPr/>
-        <p:txBody>
-          <a:bodyPr/>
-          <a:lstStyle/>
-          <a:p>
-            <a:r>
-              <a:rPr lang="zh-CN" altLang="en-US" dirty="0"/>
-              <a:t>声控灯在我们生活中很常见 ，如走廊，楼梯间的灯。</a:t>
-            </a:r>
-            <a:endParaRPr lang="en-US" altLang="zh-CN" dirty="0"/>
-          </a:p>
-          <a:p>
-            <a:endParaRPr lang="en-US" altLang="zh-CN" dirty="0"/>
-          </a:p>
-          <a:p>
-            <a:endParaRPr lang="zh-CN" altLang="en-US" dirty="0"/>
-          </a:p>
-        </p:txBody>
-      </p:sp>
-    </p:spTree>
-    <p:extLst>
-      <p:ext uri="{BB962C8B-B14F-4D97-AF65-F5344CB8AC3E}">
-        <p14:creationId xmlns:p14="http://schemas.microsoft.com/office/powerpoint/2010/main" val="4004759034"/>
-      </p:ext>
-    </p:extLst>
-  </p:cSld>
-  <p:clrMapOvr>
-    <a:masterClrMapping/>
-  </p:clrMapOvr>
-  <mc:AlternateContent xmlns:mc="http://schemas.openxmlformats.org/markup-compatibility/2006" xmlns:p14="http://schemas.microsoft.com/office/powerpoint/2010/main">
-    <mc:Choice Requires="p14">
-      <p:transition spd="slow" p14:dur="1250">
-        <p:push dir="u"/>
-      </p:transition>
-    </mc:Choice>
-    <mc:Fallback xmlns="">
-      <p:transition spd="slow">
-        <p:push dir="u"/>
-      </p:transition>
-    </mc:Fallback>
-  </mc:AlternateContent>
-</p:sld>
-</file>
-
-<file path=ppt/slides/slide19.xml><?xml version="1.0" encoding="utf-8"?>
-<p:sld xmlns:a="http://schemas.openxmlformats.org/drawingml/2006/main" xmlns:r="http://schemas.openxmlformats.org/officeDocument/2006/relationships" xmlns:p="http://schemas.openxmlformats.org/presentationml/2006/main">
-  <p:cSld>
-    <p:spTree>
-      <p:nvGrpSpPr>
-        <p:cNvPr id="1" name=""/>
-        <p:cNvGrpSpPr/>
-        <p:nvPr/>
-      </p:nvGrpSpPr>
-      <p:grpSpPr>
-        <a:xfrm>
-          <a:off x="0" y="0"/>
-          <a:ext cx="0" cy="0"/>
-          <a:chOff x="0" y="0"/>
-          <a:chExt cx="0" cy="0"/>
-        </a:xfrm>
-      </p:grpSpPr>
-      <p:sp>
-        <p:nvSpPr>
-          <p:cNvPr id="2" name="标题 1">
-            <a:extLst>
-              <a:ext uri="{FF2B5EF4-FFF2-40B4-BE49-F238E27FC236}">
-                <a16:creationId xmlns:a16="http://schemas.microsoft.com/office/drawing/2014/main" id="{D4B0003D-C023-4741-AF41-2852BBC34E7C}"/>
-              </a:ext>
-            </a:extLst>
-          </p:cNvPr>
-          <p:cNvSpPr>
-            <a:spLocks noGrp="1"/>
-          </p:cNvSpPr>
-          <p:nvPr>
-            <p:ph type="title"/>
-          </p:nvPr>
-        </p:nvSpPr>
-        <p:spPr/>
-        <p:txBody>
-          <a:bodyPr/>
-          <a:lstStyle/>
-          <a:p>
-            <a:pPr algn="ctr"/>
-            <a:r>
-              <a:rPr lang="en-US" altLang="zh-CN" dirty="0"/>
-              <a:t>DHT11</a:t>
-            </a:r>
-            <a:r>
-              <a:rPr lang="zh-CN" altLang="zh-CN" dirty="0"/>
-              <a:t>温湿度传感器</a:t>
-            </a:r>
-            <a:endParaRPr lang="zh-CN" altLang="en-US" dirty="0"/>
-          </a:p>
-        </p:txBody>
-      </p:sp>
-      <p:sp>
-        <p:nvSpPr>
-          <p:cNvPr id="3" name="内容占位符 2">
-            <a:extLst>
-              <a:ext uri="{FF2B5EF4-FFF2-40B4-BE49-F238E27FC236}">
-                <a16:creationId xmlns:a16="http://schemas.microsoft.com/office/drawing/2014/main" id="{721A5A5F-1C59-4EC5-B16F-648175CD4618}"/>
-              </a:ext>
-            </a:extLst>
-          </p:cNvPr>
-          <p:cNvSpPr>
-            <a:spLocks noGrp="1"/>
-          </p:cNvSpPr>
-          <p:nvPr>
-            <p:ph idx="1"/>
-          </p:nvPr>
-        </p:nvSpPr>
-        <p:spPr/>
-        <p:txBody>
-          <a:bodyPr>
-            <a:normAutofit fontScale="92500" lnSpcReduction="10000"/>
-          </a:bodyPr>
-          <a:lstStyle/>
-          <a:p>
-            <a:r>
-              <a:rPr lang="en-US" altLang="zh-CN" dirty="0"/>
-              <a:t>DHT11</a:t>
-            </a:r>
-            <a:r>
-              <a:rPr lang="zh-CN" altLang="zh-CN" dirty="0"/>
-              <a:t>数字温湿度传感器是一款含有已校准数字信号输出的温湿度复合传感器。它应用专用的数字模块采集技术和温湿度传感技术，确保产品具有极高的可靠性与卓越的长期稳定性。传感器包括一个电阻式感湿元件和一个</a:t>
-            </a:r>
-            <a:r>
-              <a:rPr lang="en-US" altLang="zh-CN" dirty="0"/>
-              <a:t>NTC</a:t>
-            </a:r>
-            <a:r>
-              <a:rPr lang="zh-CN" altLang="zh-CN" dirty="0"/>
-              <a:t>测温元件，并与一个高性能</a:t>
-            </a:r>
-            <a:r>
-              <a:rPr lang="en-US" altLang="zh-CN" dirty="0"/>
-              <a:t>8</a:t>
-            </a:r>
-            <a:r>
-              <a:rPr lang="zh-CN" altLang="zh-CN" dirty="0"/>
-              <a:t>位单片机相连接。因此该产品具有品质卓越、超快响应、抗干扰能力强、性价比极高等优点。每个</a:t>
-            </a:r>
-            <a:r>
-              <a:rPr lang="en-US" altLang="zh-CN" dirty="0"/>
-              <a:t>DHT11</a:t>
-            </a:r>
-            <a:r>
-              <a:rPr lang="zh-CN" altLang="zh-CN" dirty="0"/>
-              <a:t>传感器都在极为精确的湿度校验室中进行校准。校准系数以程序的形式储存在</a:t>
-            </a:r>
-            <a:r>
-              <a:rPr lang="en-US" altLang="zh-CN" dirty="0"/>
-              <a:t>OTP</a:t>
-            </a:r>
-            <a:r>
-              <a:rPr lang="zh-CN" altLang="zh-CN" dirty="0"/>
-              <a:t>内存中，传感器内部在检测信号的处理过程中要调用这些校准系数。单线制串行接口，使系统集成变得简易快捷。超小的体积、极低的功耗，信号传输距离可达</a:t>
-            </a:r>
-            <a:r>
-              <a:rPr lang="en-US" altLang="zh-CN" dirty="0"/>
-              <a:t>20</a:t>
-            </a:r>
-            <a:r>
-              <a:rPr lang="zh-CN" altLang="zh-CN" dirty="0"/>
-              <a:t>米以上，使其成为各类应用甚至最为苛刻的应用场合的最佳选则。产品为</a:t>
-            </a:r>
-            <a:r>
-              <a:rPr lang="en-US" altLang="zh-CN" dirty="0"/>
-              <a:t> 4 </a:t>
-            </a:r>
-            <a:r>
-              <a:rPr lang="zh-CN" altLang="zh-CN" dirty="0"/>
-              <a:t>针单排引脚封装。连接方便，特殊封装形式可根据用户需求而提供。</a:t>
-            </a:r>
-            <a:endParaRPr lang="zh-CN" altLang="en-US" dirty="0"/>
-          </a:p>
-        </p:txBody>
-      </p:sp>
-    </p:spTree>
-    <p:extLst>
-      <p:ext uri="{BB962C8B-B14F-4D97-AF65-F5344CB8AC3E}">
-        <p14:creationId xmlns:p14="http://schemas.microsoft.com/office/powerpoint/2010/main" val="1703019921"/>
+        <p14:creationId xmlns:p14="http://schemas.microsoft.com/office/powerpoint/2010/main" val="2947918568"/>
       </p:ext>
     </p:extLst>
   </p:cSld>
@@ -8715,1352 +8422,12 @@
           </a:p>
         </p:txBody>
       </p:sp>
-    </p:spTree>
-    <p:extLst>
-      <p:ext uri="{BB962C8B-B14F-4D97-AF65-F5344CB8AC3E}">
-        <p14:creationId xmlns:p14="http://schemas.microsoft.com/office/powerpoint/2010/main" val="4101773084"/>
-      </p:ext>
-    </p:extLst>
-  </p:cSld>
-  <p:clrMapOvr>
-    <a:masterClrMapping/>
-  </p:clrMapOvr>
-  <mc:AlternateContent xmlns:mc="http://schemas.openxmlformats.org/markup-compatibility/2006" xmlns:p14="http://schemas.microsoft.com/office/powerpoint/2010/main">
-    <mc:Choice Requires="p14">
-      <p:transition spd="slow" p14:dur="1250">
-        <p:push dir="u"/>
-      </p:transition>
-    </mc:Choice>
-    <mc:Fallback xmlns="">
-      <p:transition spd="slow">
-        <p:push dir="u"/>
-      </p:transition>
-    </mc:Fallback>
-  </mc:AlternateContent>
-</p:sld>
-</file>
-
-<file path=ppt/slides/slide20.xml><?xml version="1.0" encoding="utf-8"?>
-<p:sld xmlns:a="http://schemas.openxmlformats.org/drawingml/2006/main" xmlns:r="http://schemas.openxmlformats.org/officeDocument/2006/relationships" xmlns:p="http://schemas.openxmlformats.org/presentationml/2006/main">
-  <p:cSld>
-    <p:spTree>
-      <p:nvGrpSpPr>
-        <p:cNvPr id="1" name=""/>
-        <p:cNvGrpSpPr/>
-        <p:nvPr/>
-      </p:nvGrpSpPr>
-      <p:grpSpPr>
-        <a:xfrm>
-          <a:off x="0" y="0"/>
-          <a:ext cx="0" cy="0"/>
-          <a:chOff x="0" y="0"/>
-          <a:chExt cx="0" cy="0"/>
-        </a:xfrm>
-      </p:grpSpPr>
-      <p:sp>
-        <p:nvSpPr>
-          <p:cNvPr id="2" name="标题 1">
-            <a:extLst>
-              <a:ext uri="{FF2B5EF4-FFF2-40B4-BE49-F238E27FC236}">
-                <a16:creationId xmlns:a16="http://schemas.microsoft.com/office/drawing/2014/main" id="{D5EB4657-537F-44FC-954B-9C01836C233B}"/>
-              </a:ext>
-            </a:extLst>
-          </p:cNvPr>
-          <p:cNvSpPr>
-            <a:spLocks noGrp="1"/>
-          </p:cNvSpPr>
-          <p:nvPr>
-            <p:ph type="title"/>
-          </p:nvPr>
-        </p:nvSpPr>
-        <p:spPr/>
-        <p:txBody>
-          <a:bodyPr/>
-          <a:lstStyle/>
-          <a:p>
-            <a:pPr algn="ctr"/>
-            <a:r>
-              <a:rPr lang="en-US" altLang="zh-CN" dirty="0"/>
-              <a:t>DHT11</a:t>
-            </a:r>
-            <a:r>
-              <a:rPr lang="zh-CN" altLang="zh-CN" dirty="0"/>
-              <a:t>温湿度传感器</a:t>
-            </a:r>
-            <a:r>
-              <a:rPr lang="zh-CN" altLang="en-US" dirty="0"/>
-              <a:t>（续）</a:t>
-            </a:r>
-          </a:p>
-        </p:txBody>
-      </p:sp>
-      <p:sp>
-        <p:nvSpPr>
-          <p:cNvPr id="3" name="内容占位符 2">
-            <a:extLst>
-              <a:ext uri="{FF2B5EF4-FFF2-40B4-BE49-F238E27FC236}">
-                <a16:creationId xmlns:a16="http://schemas.microsoft.com/office/drawing/2014/main" id="{12861A4B-2609-422E-8561-7B50874398E3}"/>
-              </a:ext>
-            </a:extLst>
-          </p:cNvPr>
-          <p:cNvSpPr>
-            <a:spLocks noGrp="1"/>
-          </p:cNvSpPr>
-          <p:nvPr>
-            <p:ph idx="1"/>
-          </p:nvPr>
-        </p:nvSpPr>
-        <p:spPr>
-          <a:xfrm>
-            <a:off x="1309512" y="2110739"/>
-            <a:ext cx="10272889" cy="3332816"/>
-          </a:xfrm>
-        </p:spPr>
-        <p:txBody>
-          <a:bodyPr/>
-          <a:lstStyle/>
-          <a:p>
-            <a:r>
-              <a:rPr lang="en-US" altLang="zh-CN" dirty="0"/>
-              <a:t>DHT11</a:t>
-            </a:r>
-            <a:r>
-              <a:rPr lang="zh-CN" altLang="zh-CN" dirty="0"/>
-              <a:t>广泛应用在一下几个方面：暖通、空调、测试及检测设备、汽车数据记录器、消费品自动控制、气象站、家电、湿度调节器、医疗、除湿器。</a:t>
-            </a:r>
-            <a:endParaRPr lang="en-US" altLang="zh-CN" dirty="0"/>
-          </a:p>
-        </p:txBody>
-      </p:sp>
       <p:pic>
         <p:nvPicPr>
           <p:cNvPr id="4" name="图片 3">
             <a:extLst>
               <a:ext uri="{FF2B5EF4-FFF2-40B4-BE49-F238E27FC236}">
-                <a16:creationId xmlns:a16="http://schemas.microsoft.com/office/drawing/2014/main" id="{92D1375B-7A2A-423B-9FD9-CC467090D6CC}"/>
-              </a:ext>
-            </a:extLst>
-          </p:cNvPr>
-          <p:cNvPicPr/>
-          <p:nvPr/>
-        </p:nvPicPr>
-        <p:blipFill>
-          <a:blip r:embed="rId2"/>
-          <a:stretch>
-            <a:fillRect/>
-          </a:stretch>
-        </p:blipFill>
-        <p:spPr>
-          <a:xfrm>
-            <a:off x="5770284" y="4498439"/>
-            <a:ext cx="1009650" cy="1569720"/>
-          </a:xfrm>
-          <a:prstGeom prst="rect">
-            <a:avLst/>
-          </a:prstGeom>
-        </p:spPr>
-      </p:pic>
-    </p:spTree>
-    <p:extLst>
-      <p:ext uri="{BB962C8B-B14F-4D97-AF65-F5344CB8AC3E}">
-        <p14:creationId xmlns:p14="http://schemas.microsoft.com/office/powerpoint/2010/main" val="4186353224"/>
-      </p:ext>
-    </p:extLst>
-  </p:cSld>
-  <p:clrMapOvr>
-    <a:masterClrMapping/>
-  </p:clrMapOvr>
-  <mc:AlternateContent xmlns:mc="http://schemas.openxmlformats.org/markup-compatibility/2006" xmlns:p14="http://schemas.microsoft.com/office/powerpoint/2010/main">
-    <mc:Choice Requires="p14">
-      <p:transition spd="slow" p14:dur="1250">
-        <p:push dir="u"/>
-      </p:transition>
-    </mc:Choice>
-    <mc:Fallback xmlns="">
-      <p:transition spd="slow">
-        <p:push dir="u"/>
-      </p:transition>
-    </mc:Fallback>
-  </mc:AlternateContent>
-</p:sld>
-</file>
-
-<file path=ppt/slides/slide21.xml><?xml version="1.0" encoding="utf-8"?>
-<p:sld xmlns:a="http://schemas.openxmlformats.org/drawingml/2006/main" xmlns:r="http://schemas.openxmlformats.org/officeDocument/2006/relationships" xmlns:p="http://schemas.openxmlformats.org/presentationml/2006/main">
-  <p:cSld>
-    <p:spTree>
-      <p:nvGrpSpPr>
-        <p:cNvPr id="1" name=""/>
-        <p:cNvGrpSpPr/>
-        <p:nvPr/>
-      </p:nvGrpSpPr>
-      <p:grpSpPr>
-        <a:xfrm>
-          <a:off x="0" y="0"/>
-          <a:ext cx="0" cy="0"/>
-          <a:chOff x="0" y="0"/>
-          <a:chExt cx="0" cy="0"/>
-        </a:xfrm>
-      </p:grpSpPr>
-      <p:sp>
-        <p:nvSpPr>
-          <p:cNvPr id="2" name="标题 1">
-            <a:extLst>
-              <a:ext uri="{FF2B5EF4-FFF2-40B4-BE49-F238E27FC236}">
-                <a16:creationId xmlns:a16="http://schemas.microsoft.com/office/drawing/2014/main" id="{33B1D3F2-3DEB-4237-9F8D-D5F0E8103B69}"/>
-              </a:ext>
-            </a:extLst>
-          </p:cNvPr>
-          <p:cNvSpPr>
-            <a:spLocks noGrp="1"/>
-          </p:cNvSpPr>
-          <p:nvPr>
-            <p:ph type="title"/>
-          </p:nvPr>
-        </p:nvSpPr>
-        <p:spPr/>
-        <p:txBody>
-          <a:bodyPr>
-            <a:normAutofit/>
-          </a:bodyPr>
-          <a:lstStyle/>
-          <a:p>
-            <a:r>
-              <a:rPr lang="zh-CN" altLang="en-US" sz="2800" dirty="0"/>
-              <a:t>引脚图</a:t>
-            </a:r>
-          </a:p>
-        </p:txBody>
-      </p:sp>
-      <p:pic>
-        <p:nvPicPr>
-          <p:cNvPr id="5" name="内容占位符 4">
-            <a:extLst>
-              <a:ext uri="{FF2B5EF4-FFF2-40B4-BE49-F238E27FC236}">
-                <a16:creationId xmlns:a16="http://schemas.microsoft.com/office/drawing/2014/main" id="{E87F3695-CB5E-4F25-8ACC-859868DB65F7}"/>
-              </a:ext>
-            </a:extLst>
-          </p:cNvPr>
-          <p:cNvPicPr>
-            <a:picLocks noGrp="1" noChangeAspect="1"/>
-          </p:cNvPicPr>
-          <p:nvPr>
-            <p:ph idx="4294967295"/>
-          </p:nvPr>
-        </p:nvPicPr>
-        <p:blipFill>
-          <a:blip r:embed="rId2"/>
-          <a:stretch>
-            <a:fillRect/>
-          </a:stretch>
-        </p:blipFill>
-        <p:spPr>
-          <a:xfrm>
-            <a:off x="4028193" y="2102456"/>
-            <a:ext cx="4835525" cy="3986212"/>
-          </a:xfrm>
-          <a:prstGeom prst="rect">
-            <a:avLst/>
-          </a:prstGeom>
-        </p:spPr>
-      </p:pic>
-    </p:spTree>
-    <p:extLst>
-      <p:ext uri="{BB962C8B-B14F-4D97-AF65-F5344CB8AC3E}">
-        <p14:creationId xmlns:p14="http://schemas.microsoft.com/office/powerpoint/2010/main" val="1525144192"/>
-      </p:ext>
-    </p:extLst>
-  </p:cSld>
-  <p:clrMapOvr>
-    <a:masterClrMapping/>
-  </p:clrMapOvr>
-  <mc:AlternateContent xmlns:mc="http://schemas.openxmlformats.org/markup-compatibility/2006" xmlns:p14="http://schemas.microsoft.com/office/powerpoint/2010/main">
-    <mc:Choice Requires="p14">
-      <p:transition spd="slow" p14:dur="1250">
-        <p:push dir="u"/>
-      </p:transition>
-    </mc:Choice>
-    <mc:Fallback xmlns="">
-      <p:transition spd="slow">
-        <p:push dir="u"/>
-      </p:transition>
-    </mc:Fallback>
-  </mc:AlternateContent>
-</p:sld>
-</file>
-
-<file path=ppt/slides/slide22.xml><?xml version="1.0" encoding="utf-8"?>
-<p:sld xmlns:a="http://schemas.openxmlformats.org/drawingml/2006/main" xmlns:r="http://schemas.openxmlformats.org/officeDocument/2006/relationships" xmlns:p="http://schemas.openxmlformats.org/presentationml/2006/main">
-  <p:cSld>
-    <p:spTree>
-      <p:nvGrpSpPr>
-        <p:cNvPr id="1" name=""/>
-        <p:cNvGrpSpPr/>
-        <p:nvPr/>
-      </p:nvGrpSpPr>
-      <p:grpSpPr>
-        <a:xfrm>
-          <a:off x="0" y="0"/>
-          <a:ext cx="0" cy="0"/>
-          <a:chOff x="0" y="0"/>
-          <a:chExt cx="0" cy="0"/>
-        </a:xfrm>
-      </p:grpSpPr>
-      <p:sp>
-        <p:nvSpPr>
-          <p:cNvPr id="2" name="标题 1">
-            <a:extLst>
-              <a:ext uri="{FF2B5EF4-FFF2-40B4-BE49-F238E27FC236}">
-                <a16:creationId xmlns:a16="http://schemas.microsoft.com/office/drawing/2014/main" id="{ABD909EF-F4E8-4629-85A7-EE2ADC2C1784}"/>
-              </a:ext>
-            </a:extLst>
-          </p:cNvPr>
-          <p:cNvSpPr>
-            <a:spLocks noGrp="1"/>
-          </p:cNvSpPr>
-          <p:nvPr>
-            <p:ph type="title"/>
-          </p:nvPr>
-        </p:nvSpPr>
-        <p:spPr/>
-        <p:txBody>
-          <a:bodyPr>
-            <a:normAutofit/>
-          </a:bodyPr>
-          <a:lstStyle/>
-          <a:p>
-            <a:r>
-              <a:rPr lang="zh-CN" altLang="en-US" sz="2800" dirty="0"/>
-              <a:t>相关库</a:t>
-            </a:r>
-          </a:p>
-        </p:txBody>
-      </p:sp>
-      <p:sp>
-        <p:nvSpPr>
-          <p:cNvPr id="3" name="内容占位符 2">
-            <a:extLst>
-              <a:ext uri="{FF2B5EF4-FFF2-40B4-BE49-F238E27FC236}">
-                <a16:creationId xmlns:a16="http://schemas.microsoft.com/office/drawing/2014/main" id="{8179E3C1-D8DB-4F28-83FE-DEBD3942316F}"/>
-              </a:ext>
-            </a:extLst>
-          </p:cNvPr>
-          <p:cNvSpPr>
-            <a:spLocks noGrp="1"/>
-          </p:cNvSpPr>
-          <p:nvPr>
-            <p:ph idx="1"/>
-          </p:nvPr>
-        </p:nvSpPr>
-        <p:spPr/>
-        <p:txBody>
-          <a:bodyPr/>
-          <a:lstStyle/>
-          <a:p>
-            <a:r>
-              <a:rPr lang="zh-CN" altLang="en-US" dirty="0"/>
-              <a:t>下载并解压</a:t>
-            </a:r>
-            <a:r>
-              <a:rPr lang="en-US" altLang="zh-CN" dirty="0"/>
-              <a:t>dht11</a:t>
-            </a:r>
-            <a:r>
-              <a:rPr lang="zh-CN" altLang="en-US" dirty="0"/>
-              <a:t>库，然后拷贝到安装</a:t>
-            </a:r>
-            <a:r>
-              <a:rPr lang="en-US" altLang="zh-CN" dirty="0"/>
-              <a:t>Arduino</a:t>
-            </a:r>
-            <a:r>
-              <a:rPr lang="zh-CN" altLang="en-US" dirty="0"/>
-              <a:t>编译器安装目录下的</a:t>
-            </a:r>
-            <a:r>
-              <a:rPr lang="en-US" altLang="zh-CN" dirty="0"/>
-              <a:t>libraries</a:t>
-            </a:r>
-            <a:r>
-              <a:rPr lang="zh-CN" altLang="en-US" dirty="0"/>
-              <a:t>目录；重启</a:t>
-            </a:r>
-            <a:r>
-              <a:rPr lang="en-US" altLang="zh-CN" dirty="0"/>
-              <a:t>IDE</a:t>
-            </a:r>
-            <a:r>
-              <a:rPr lang="zh-CN" altLang="en-US" dirty="0"/>
-              <a:t>。</a:t>
-            </a:r>
-            <a:endParaRPr lang="en-US" altLang="zh-CN" dirty="0"/>
-          </a:p>
-          <a:p>
-            <a:r>
-              <a:rPr lang="zh-CN" altLang="en-US" dirty="0"/>
-              <a:t>接口</a:t>
-            </a:r>
-            <a:endParaRPr lang="en-US" altLang="zh-CN" dirty="0"/>
-          </a:p>
-          <a:p>
-            <a:pPr lvl="1"/>
-            <a:r>
-              <a:rPr lang="en-US" altLang="zh-CN" dirty="0"/>
-              <a:t>dht11.read() 		</a:t>
-            </a:r>
-            <a:r>
-              <a:rPr lang="zh-CN" altLang="en-US" dirty="0"/>
-              <a:t>获取输出端口的值</a:t>
-            </a:r>
-            <a:endParaRPr lang="en-US" altLang="zh-CN" dirty="0"/>
-          </a:p>
-          <a:p>
-            <a:pPr lvl="1"/>
-            <a:r>
-              <a:rPr lang="en-US" altLang="zh-CN" dirty="0"/>
-              <a:t>dht11.humidity 		</a:t>
-            </a:r>
-            <a:r>
-              <a:rPr lang="zh-CN" altLang="en-US" dirty="0"/>
-              <a:t>获取湿度</a:t>
-            </a:r>
-            <a:endParaRPr lang="en-US" altLang="zh-CN" dirty="0"/>
-          </a:p>
-          <a:p>
-            <a:pPr lvl="1"/>
-            <a:r>
-              <a:rPr lang="en-US" altLang="zh-CN" dirty="0"/>
-              <a:t>dht11.temperature 	</a:t>
-            </a:r>
-            <a:r>
-              <a:rPr lang="zh-CN" altLang="en-US" dirty="0"/>
-              <a:t>获取温度</a:t>
-            </a:r>
-            <a:endParaRPr lang="en-US" altLang="zh-CN" dirty="0"/>
-          </a:p>
-        </p:txBody>
-      </p:sp>
-    </p:spTree>
-    <p:extLst>
-      <p:ext uri="{BB962C8B-B14F-4D97-AF65-F5344CB8AC3E}">
-        <p14:creationId xmlns:p14="http://schemas.microsoft.com/office/powerpoint/2010/main" val="3527762301"/>
-      </p:ext>
-    </p:extLst>
-  </p:cSld>
-  <p:clrMapOvr>
-    <a:masterClrMapping/>
-  </p:clrMapOvr>
-  <mc:AlternateContent xmlns:mc="http://schemas.openxmlformats.org/markup-compatibility/2006" xmlns:p14="http://schemas.microsoft.com/office/powerpoint/2010/main">
-    <mc:Choice Requires="p14">
-      <p:transition spd="slow" p14:dur="1250">
-        <p:push dir="u"/>
-      </p:transition>
-    </mc:Choice>
-    <mc:Fallback xmlns="">
-      <p:transition spd="slow">
-        <p:push dir="u"/>
-      </p:transition>
-    </mc:Fallback>
-  </mc:AlternateContent>
-</p:sld>
-</file>
-
-<file path=ppt/slides/slide23.xml><?xml version="1.0" encoding="utf-8"?>
-<p:sld xmlns:a="http://schemas.openxmlformats.org/drawingml/2006/main" xmlns:r="http://schemas.openxmlformats.org/officeDocument/2006/relationships" xmlns:p="http://schemas.openxmlformats.org/presentationml/2006/main">
-  <p:cSld>
-    <p:spTree>
-      <p:nvGrpSpPr>
-        <p:cNvPr id="1" name=""/>
-        <p:cNvGrpSpPr/>
-        <p:nvPr/>
-      </p:nvGrpSpPr>
-      <p:grpSpPr>
-        <a:xfrm>
-          <a:off x="0" y="0"/>
-          <a:ext cx="0" cy="0"/>
-          <a:chOff x="0" y="0"/>
-          <a:chExt cx="0" cy="0"/>
-        </a:xfrm>
-      </p:grpSpPr>
-      <p:sp>
-        <p:nvSpPr>
-          <p:cNvPr id="2" name="标题 1">
-            <a:extLst>
-              <a:ext uri="{FF2B5EF4-FFF2-40B4-BE49-F238E27FC236}">
-                <a16:creationId xmlns:a16="http://schemas.microsoft.com/office/drawing/2014/main" id="{D990B5A2-8722-44A7-BBCC-C1A2C139787C}"/>
-              </a:ext>
-            </a:extLst>
-          </p:cNvPr>
-          <p:cNvSpPr>
-            <a:spLocks noGrp="1"/>
-          </p:cNvSpPr>
-          <p:nvPr>
-            <p:ph type="title"/>
-          </p:nvPr>
-        </p:nvSpPr>
-        <p:spPr/>
-        <p:txBody>
-          <a:bodyPr/>
-          <a:lstStyle/>
-          <a:p>
-            <a:pPr algn="ctr"/>
-            <a:r>
-              <a:rPr lang="zh-CN" altLang="en-US" dirty="0"/>
-              <a:t>实验</a:t>
-            </a:r>
-            <a:r>
-              <a:rPr lang="en-US" altLang="zh-CN" dirty="0"/>
-              <a:t>26</a:t>
-            </a:r>
-            <a:r>
-              <a:rPr lang="zh-CN" altLang="en-US" dirty="0"/>
-              <a:t>：温湿度采集</a:t>
-            </a:r>
-          </a:p>
-        </p:txBody>
-      </p:sp>
-      <p:sp>
-        <p:nvSpPr>
-          <p:cNvPr id="3" name="内容占位符 2">
-            <a:extLst>
-              <a:ext uri="{FF2B5EF4-FFF2-40B4-BE49-F238E27FC236}">
-                <a16:creationId xmlns:a16="http://schemas.microsoft.com/office/drawing/2014/main" id="{BCEA13BA-E78B-4BC3-872F-B3C00AC01F22}"/>
-              </a:ext>
-            </a:extLst>
-          </p:cNvPr>
-          <p:cNvSpPr>
-            <a:spLocks noGrp="1"/>
-          </p:cNvSpPr>
-          <p:nvPr>
-            <p:ph idx="1"/>
-          </p:nvPr>
-        </p:nvSpPr>
-        <p:spPr/>
-        <p:txBody>
-          <a:bodyPr>
-            <a:normAutofit/>
-          </a:bodyPr>
-          <a:lstStyle/>
-          <a:p>
-            <a:r>
-              <a:rPr lang="zh-CN" altLang="zh-CN" dirty="0"/>
-              <a:t>测试当前所处环境的温度和湿度</a:t>
-            </a:r>
-            <a:r>
-              <a:rPr lang="zh-CN" altLang="en-US" dirty="0"/>
-              <a:t>并显示。</a:t>
-            </a:r>
-            <a:endParaRPr lang="en-US" altLang="zh-CN" dirty="0"/>
-          </a:p>
-          <a:p>
-            <a:r>
-              <a:rPr lang="zh-CN" altLang="en-US" dirty="0"/>
-              <a:t>实验器材</a:t>
-            </a:r>
-            <a:endParaRPr lang="en-US" altLang="zh-CN" dirty="0"/>
-          </a:p>
-          <a:p>
-            <a:pPr lvl="1"/>
-            <a:r>
-              <a:rPr lang="en-US" altLang="zh-CN" dirty="0"/>
-              <a:t>Arduino</a:t>
-            </a:r>
-            <a:r>
-              <a:rPr lang="zh-CN" altLang="en-US" dirty="0"/>
-              <a:t>开发板</a:t>
-            </a:r>
-            <a:endParaRPr lang="en-US" altLang="zh-CN" dirty="0"/>
-          </a:p>
-          <a:p>
-            <a:pPr lvl="1"/>
-            <a:r>
-              <a:rPr lang="zh-CN" altLang="zh-CN" dirty="0"/>
-              <a:t>面包板</a:t>
-            </a:r>
-            <a:r>
-              <a:rPr lang="zh-CN" altLang="en-US" dirty="0"/>
-              <a:t>及跳线</a:t>
-            </a:r>
-            <a:endParaRPr lang="zh-CN" altLang="zh-CN" sz="700" dirty="0"/>
-          </a:p>
-          <a:p>
-            <a:pPr lvl="1"/>
-            <a:r>
-              <a:rPr lang="zh-CN" altLang="zh-CN" dirty="0"/>
-              <a:t>温度湿度传感器</a:t>
-            </a:r>
-            <a:r>
-              <a:rPr lang="en-US" altLang="zh-CN" dirty="0"/>
-              <a:t>1</a:t>
-            </a:r>
-            <a:r>
-              <a:rPr lang="zh-CN" altLang="zh-CN" dirty="0"/>
-              <a:t>个</a:t>
-            </a:r>
-            <a:endParaRPr lang="zh-CN" altLang="zh-CN" sz="700" dirty="0"/>
-          </a:p>
-        </p:txBody>
-      </p:sp>
-    </p:spTree>
-    <p:extLst>
-      <p:ext uri="{BB962C8B-B14F-4D97-AF65-F5344CB8AC3E}">
-        <p14:creationId xmlns:p14="http://schemas.microsoft.com/office/powerpoint/2010/main" val="1939157948"/>
-      </p:ext>
-    </p:extLst>
-  </p:cSld>
-  <p:clrMapOvr>
-    <a:masterClrMapping/>
-  </p:clrMapOvr>
-  <mc:AlternateContent xmlns:mc="http://schemas.openxmlformats.org/markup-compatibility/2006" xmlns:p14="http://schemas.microsoft.com/office/powerpoint/2010/main">
-    <mc:Choice Requires="p14">
-      <p:transition spd="slow" p14:dur="1250">
-        <p:push dir="u"/>
-      </p:transition>
-    </mc:Choice>
-    <mc:Fallback xmlns="">
-      <p:transition spd="slow">
-        <p:push dir="u"/>
-      </p:transition>
-    </mc:Fallback>
-  </mc:AlternateContent>
-</p:sld>
-</file>
-
-<file path=ppt/slides/slide24.xml><?xml version="1.0" encoding="utf-8"?>
-<p:sld xmlns:a="http://schemas.openxmlformats.org/drawingml/2006/main" xmlns:r="http://schemas.openxmlformats.org/officeDocument/2006/relationships" xmlns:p="http://schemas.openxmlformats.org/presentationml/2006/main">
-  <p:cSld>
-    <p:spTree>
-      <p:nvGrpSpPr>
-        <p:cNvPr id="1" name=""/>
-        <p:cNvGrpSpPr/>
-        <p:nvPr/>
-      </p:nvGrpSpPr>
-      <p:grpSpPr>
-        <a:xfrm>
-          <a:off x="0" y="0"/>
-          <a:ext cx="0" cy="0"/>
-          <a:chOff x="0" y="0"/>
-          <a:chExt cx="0" cy="0"/>
-        </a:xfrm>
-      </p:grpSpPr>
-      <p:sp>
-        <p:nvSpPr>
-          <p:cNvPr id="2" name="标题 1">
-            <a:extLst>
-              <a:ext uri="{FF2B5EF4-FFF2-40B4-BE49-F238E27FC236}">
-                <a16:creationId xmlns:a16="http://schemas.microsoft.com/office/drawing/2014/main" id="{980DBF2B-1E66-42D5-BD0D-FECC61CFCDE5}"/>
-              </a:ext>
-            </a:extLst>
-          </p:cNvPr>
-          <p:cNvSpPr>
-            <a:spLocks noGrp="1"/>
-          </p:cNvSpPr>
-          <p:nvPr>
-            <p:ph type="title"/>
-          </p:nvPr>
-        </p:nvSpPr>
-        <p:spPr/>
-        <p:txBody>
-          <a:bodyPr/>
-          <a:lstStyle/>
-          <a:p>
-            <a:pPr algn="ctr"/>
-            <a:r>
-              <a:rPr lang="zh-CN" altLang="en-US" dirty="0"/>
-              <a:t>步进电机</a:t>
-            </a:r>
-          </a:p>
-        </p:txBody>
-      </p:sp>
-      <p:sp>
-        <p:nvSpPr>
-          <p:cNvPr id="3" name="内容占位符 2">
-            <a:extLst>
-              <a:ext uri="{FF2B5EF4-FFF2-40B4-BE49-F238E27FC236}">
-                <a16:creationId xmlns:a16="http://schemas.microsoft.com/office/drawing/2014/main" id="{546EC698-C67E-4725-A826-CDE29A050B60}"/>
-              </a:ext>
-            </a:extLst>
-          </p:cNvPr>
-          <p:cNvSpPr>
-            <a:spLocks noGrp="1"/>
-          </p:cNvSpPr>
-          <p:nvPr>
-            <p:ph idx="1"/>
-          </p:nvPr>
-        </p:nvSpPr>
-        <p:spPr>
-          <a:xfrm>
-            <a:off x="1309512" y="2243579"/>
-            <a:ext cx="10272889" cy="3756237"/>
-          </a:xfrm>
-        </p:spPr>
-        <p:txBody>
-          <a:bodyPr/>
-          <a:lstStyle/>
-          <a:p>
-            <a:r>
-              <a:rPr lang="zh-CN" altLang="zh-CN" dirty="0"/>
-              <a:t>步进电机是将电脉冲信号转变为角位移或线位移的开环控制元步进电机件</a:t>
-            </a:r>
-            <a:r>
-              <a:rPr lang="zh-CN" altLang="en-US" dirty="0"/>
-              <a:t>。</a:t>
-            </a:r>
-            <a:endParaRPr lang="en-US" altLang="zh-CN" dirty="0"/>
-          </a:p>
-          <a:p>
-            <a:r>
-              <a:rPr lang="zh-CN" altLang="zh-CN" dirty="0"/>
-              <a:t>在非超载的情况下，电机的转速、停止的位置只取决于脉冲信号的频率和脉冲数，而不受负载变化的影响，当步进驱动器接收到一个脉冲信号，它就驱动步进电机按设定的方向转动一个固定的角度，称为“步距角”，它的旋转是以固定的角度一步一步运行的</a:t>
-            </a:r>
-            <a:r>
-              <a:rPr lang="zh-CN" altLang="en-US" dirty="0"/>
-              <a:t>。</a:t>
-            </a:r>
-            <a:endParaRPr lang="en-US" altLang="zh-CN" dirty="0"/>
-          </a:p>
-          <a:p>
-            <a:r>
-              <a:rPr lang="zh-CN" altLang="zh-CN" dirty="0"/>
-              <a:t>可以通过控制脉冲个数来控制角位移量，从而达到准确定位的目的；同时可以通过控制脉冲频率来控制电机转动的速度和加速度，从而达到调速的目的。 </a:t>
-            </a:r>
-            <a:endParaRPr lang="zh-CN" altLang="en-US" dirty="0"/>
-          </a:p>
-        </p:txBody>
-      </p:sp>
-    </p:spTree>
-    <p:extLst>
-      <p:ext uri="{BB962C8B-B14F-4D97-AF65-F5344CB8AC3E}">
-        <p14:creationId xmlns:p14="http://schemas.microsoft.com/office/powerpoint/2010/main" val="3242407936"/>
-      </p:ext>
-    </p:extLst>
-  </p:cSld>
-  <p:clrMapOvr>
-    <a:masterClrMapping/>
-  </p:clrMapOvr>
-  <mc:AlternateContent xmlns:mc="http://schemas.openxmlformats.org/markup-compatibility/2006" xmlns:p14="http://schemas.microsoft.com/office/powerpoint/2010/main">
-    <mc:Choice Requires="p14">
-      <p:transition spd="slow" p14:dur="1250">
-        <p:push dir="u"/>
-      </p:transition>
-    </mc:Choice>
-    <mc:Fallback xmlns="">
-      <p:transition spd="slow">
-        <p:push dir="u"/>
-      </p:transition>
-    </mc:Fallback>
-  </mc:AlternateContent>
-</p:sld>
-</file>
-
-<file path=ppt/slides/slide25.xml><?xml version="1.0" encoding="utf-8"?>
-<p:sld xmlns:a="http://schemas.openxmlformats.org/drawingml/2006/main" xmlns:r="http://schemas.openxmlformats.org/officeDocument/2006/relationships" xmlns:p="http://schemas.openxmlformats.org/presentationml/2006/main">
-  <p:cSld>
-    <p:spTree>
-      <p:nvGrpSpPr>
-        <p:cNvPr id="1" name=""/>
-        <p:cNvGrpSpPr/>
-        <p:nvPr/>
-      </p:nvGrpSpPr>
-      <p:grpSpPr>
-        <a:xfrm>
-          <a:off x="0" y="0"/>
-          <a:ext cx="0" cy="0"/>
-          <a:chOff x="0" y="0"/>
-          <a:chExt cx="0" cy="0"/>
-        </a:xfrm>
-      </p:grpSpPr>
-      <p:sp>
-        <p:nvSpPr>
-          <p:cNvPr id="2" name="标题 1">
-            <a:extLst>
-              <a:ext uri="{FF2B5EF4-FFF2-40B4-BE49-F238E27FC236}">
-                <a16:creationId xmlns:a16="http://schemas.microsoft.com/office/drawing/2014/main" id="{93217EA2-C5EC-4C8E-B768-E826BCA41169}"/>
-              </a:ext>
-            </a:extLst>
-          </p:cNvPr>
-          <p:cNvSpPr>
-            <a:spLocks noGrp="1"/>
-          </p:cNvSpPr>
-          <p:nvPr>
-            <p:ph type="title"/>
-          </p:nvPr>
-        </p:nvSpPr>
-        <p:spPr/>
-        <p:txBody>
-          <a:bodyPr/>
-          <a:lstStyle/>
-          <a:p>
-            <a:pPr algn="ctr"/>
-            <a:r>
-              <a:rPr lang="zh-CN" altLang="en-US" dirty="0"/>
-              <a:t>步进电机（续）</a:t>
-            </a:r>
-          </a:p>
-        </p:txBody>
-      </p:sp>
-      <p:sp>
-        <p:nvSpPr>
-          <p:cNvPr id="3" name="内容占位符 2">
-            <a:extLst>
-              <a:ext uri="{FF2B5EF4-FFF2-40B4-BE49-F238E27FC236}">
-                <a16:creationId xmlns:a16="http://schemas.microsoft.com/office/drawing/2014/main" id="{863793EE-2B27-4933-86F4-37BFDE29A81D}"/>
-              </a:ext>
-            </a:extLst>
-          </p:cNvPr>
-          <p:cNvSpPr>
-            <a:spLocks noGrp="1"/>
-          </p:cNvSpPr>
-          <p:nvPr>
-            <p:ph idx="1"/>
-          </p:nvPr>
-        </p:nvSpPr>
-        <p:spPr>
-          <a:xfrm>
-            <a:off x="1309512" y="2187019"/>
-            <a:ext cx="10272889" cy="3812797"/>
-          </a:xfrm>
-        </p:spPr>
-        <p:txBody>
-          <a:bodyPr>
-            <a:normAutofit lnSpcReduction="10000"/>
-          </a:bodyPr>
-          <a:lstStyle/>
-          <a:p>
-            <a:r>
-              <a:rPr lang="zh-CN" altLang="zh-CN" dirty="0"/>
-              <a:t>步进电机驱动方式： </a:t>
-            </a:r>
-          </a:p>
-          <a:p>
-            <a:r>
-              <a:rPr lang="en-US" altLang="zh-CN" dirty="0"/>
-              <a:t>1</a:t>
-            </a:r>
-            <a:r>
-              <a:rPr lang="zh-CN" altLang="zh-CN" dirty="0"/>
-              <a:t>、</a:t>
-            </a:r>
-            <a:r>
-              <a:rPr lang="en-US" altLang="zh-CN" dirty="0"/>
-              <a:t>1</a:t>
-            </a:r>
-            <a:r>
-              <a:rPr lang="zh-CN" altLang="zh-CN" dirty="0"/>
-              <a:t>相励磁法：每一瞬间只有一个线圈导通，其他线圈休息。其特点是励磁方法简单，耗电低，精确度良好。但是力矩小、震动大，每次励磁信号走的角度是标称角度。 </a:t>
-            </a:r>
-          </a:p>
-          <a:p>
-            <a:r>
-              <a:rPr lang="en-US" altLang="zh-CN" dirty="0"/>
-              <a:t>2</a:t>
-            </a:r>
-            <a:r>
-              <a:rPr lang="zh-CN" altLang="zh-CN" dirty="0"/>
-              <a:t>、</a:t>
-            </a:r>
-            <a:r>
-              <a:rPr lang="en-US" altLang="zh-CN" dirty="0"/>
-              <a:t>2</a:t>
-            </a:r>
-            <a:r>
-              <a:rPr lang="zh-CN" altLang="zh-CN" dirty="0"/>
-              <a:t>相励磁法：每一瞬间有两个线圈同时导通，特点是力矩大、震动较小，每次励磁转动角度是标称角度。 </a:t>
-            </a:r>
-          </a:p>
-          <a:p>
-            <a:r>
-              <a:rPr lang="en-US" altLang="zh-CN" dirty="0"/>
-              <a:t>3</a:t>
-            </a:r>
-            <a:r>
-              <a:rPr lang="zh-CN" altLang="zh-CN" dirty="0"/>
-              <a:t>、</a:t>
-            </a:r>
-            <a:r>
-              <a:rPr lang="en-US" altLang="zh-CN" dirty="0"/>
-              <a:t>1-2</a:t>
-            </a:r>
-            <a:r>
-              <a:rPr lang="zh-CN" altLang="zh-CN" dirty="0"/>
-              <a:t>相励磁法：</a:t>
-            </a:r>
-            <a:r>
-              <a:rPr lang="en-US" altLang="zh-CN" dirty="0"/>
-              <a:t>1</a:t>
-            </a:r>
-            <a:r>
-              <a:rPr lang="zh-CN" altLang="zh-CN" dirty="0"/>
-              <a:t>相和</a:t>
-            </a:r>
-            <a:r>
-              <a:rPr lang="en-US" altLang="zh-CN" dirty="0"/>
-              <a:t>2</a:t>
-            </a:r>
-            <a:r>
-              <a:rPr lang="zh-CN" altLang="zh-CN" dirty="0"/>
-              <a:t>相轮流交替导通，精度较高，且运转平滑。每送一个励磁信号转动二分之一标称角度。</a:t>
-            </a:r>
-            <a:r>
-              <a:rPr lang="zh-CN" altLang="en-US" dirty="0"/>
-              <a:t>又</a:t>
-            </a:r>
-            <a:r>
-              <a:rPr lang="zh-CN" altLang="zh-CN" dirty="0"/>
-              <a:t>称为半步驱动。</a:t>
-            </a:r>
-            <a:r>
-              <a:rPr lang="en-US" altLang="zh-CN" dirty="0"/>
-              <a:t>4</a:t>
-            </a:r>
-            <a:r>
-              <a:rPr lang="zh-CN" altLang="zh-CN" dirty="0"/>
-              <a:t>相电机中，</a:t>
-            </a:r>
-            <a:r>
-              <a:rPr lang="en-US" altLang="zh-CN" dirty="0"/>
-              <a:t>1</a:t>
-            </a:r>
-            <a:r>
-              <a:rPr lang="zh-CN" altLang="zh-CN" dirty="0"/>
-              <a:t>、</a:t>
-            </a:r>
-            <a:r>
-              <a:rPr lang="en-US" altLang="zh-CN" dirty="0"/>
-              <a:t>2</a:t>
-            </a:r>
-            <a:r>
-              <a:rPr lang="zh-CN" altLang="zh-CN" dirty="0"/>
-              <a:t>种方式称</a:t>
-            </a:r>
-            <a:r>
-              <a:rPr lang="en-US" altLang="zh-CN" dirty="0"/>
-              <a:t>4</a:t>
-            </a:r>
-            <a:r>
-              <a:rPr lang="zh-CN" altLang="zh-CN" dirty="0"/>
-              <a:t>相</a:t>
-            </a:r>
-            <a:r>
-              <a:rPr lang="en-US" altLang="zh-CN" dirty="0"/>
-              <a:t>4</a:t>
-            </a:r>
-            <a:r>
-              <a:rPr lang="zh-CN" altLang="zh-CN" dirty="0"/>
-              <a:t>拍，</a:t>
-            </a:r>
-            <a:r>
-              <a:rPr lang="en-US" altLang="zh-CN" dirty="0"/>
-              <a:t>3</a:t>
-            </a:r>
-            <a:r>
-              <a:rPr lang="zh-CN" altLang="zh-CN" dirty="0"/>
-              <a:t>种称</a:t>
-            </a:r>
-            <a:r>
-              <a:rPr lang="en-US" altLang="zh-CN" dirty="0"/>
-              <a:t>4</a:t>
-            </a:r>
-            <a:r>
-              <a:rPr lang="zh-CN" altLang="zh-CN" dirty="0"/>
-              <a:t>相</a:t>
-            </a:r>
-            <a:r>
-              <a:rPr lang="en-US" altLang="zh-CN" dirty="0"/>
-              <a:t>8</a:t>
-            </a:r>
-            <a:r>
-              <a:rPr lang="zh-CN" altLang="zh-CN" dirty="0"/>
-              <a:t>拍。 </a:t>
-            </a:r>
-          </a:p>
-        </p:txBody>
-      </p:sp>
-    </p:spTree>
-    <p:extLst>
-      <p:ext uri="{BB962C8B-B14F-4D97-AF65-F5344CB8AC3E}">
-        <p14:creationId xmlns:p14="http://schemas.microsoft.com/office/powerpoint/2010/main" val="178986351"/>
-      </p:ext>
-    </p:extLst>
-  </p:cSld>
-  <p:clrMapOvr>
-    <a:masterClrMapping/>
-  </p:clrMapOvr>
-  <mc:AlternateContent xmlns:mc="http://schemas.openxmlformats.org/markup-compatibility/2006" xmlns:p14="http://schemas.microsoft.com/office/powerpoint/2010/main">
-    <mc:Choice Requires="p14">
-      <p:transition spd="slow" p14:dur="1250">
-        <p:push dir="u"/>
-      </p:transition>
-    </mc:Choice>
-    <mc:Fallback xmlns="">
-      <p:transition spd="slow">
-        <p:push dir="u"/>
-      </p:transition>
-    </mc:Fallback>
-  </mc:AlternateContent>
-</p:sld>
-</file>
-
-<file path=ppt/slides/slide26.xml><?xml version="1.0" encoding="utf-8"?>
-<p:sld xmlns:a="http://schemas.openxmlformats.org/drawingml/2006/main" xmlns:r="http://schemas.openxmlformats.org/officeDocument/2006/relationships" xmlns:p="http://schemas.openxmlformats.org/presentationml/2006/main">
-  <p:cSld>
-    <p:spTree>
-      <p:nvGrpSpPr>
-        <p:cNvPr id="1" name=""/>
-        <p:cNvGrpSpPr/>
-        <p:nvPr/>
-      </p:nvGrpSpPr>
-      <p:grpSpPr>
-        <a:xfrm>
-          <a:off x="0" y="0"/>
-          <a:ext cx="0" cy="0"/>
-          <a:chOff x="0" y="0"/>
-          <a:chExt cx="0" cy="0"/>
-        </a:xfrm>
-      </p:grpSpPr>
-      <p:sp>
-        <p:nvSpPr>
-          <p:cNvPr id="2" name="标题 1">
-            <a:extLst>
-              <a:ext uri="{FF2B5EF4-FFF2-40B4-BE49-F238E27FC236}">
-                <a16:creationId xmlns:a16="http://schemas.microsoft.com/office/drawing/2014/main" id="{D10978DD-CAEC-4F98-90F9-515C8CE05AF8}"/>
-              </a:ext>
-            </a:extLst>
-          </p:cNvPr>
-          <p:cNvSpPr>
-            <a:spLocks noGrp="1"/>
-          </p:cNvSpPr>
-          <p:nvPr>
-            <p:ph type="title"/>
-          </p:nvPr>
-        </p:nvSpPr>
-        <p:spPr/>
-        <p:txBody>
-          <a:bodyPr/>
-          <a:lstStyle/>
-          <a:p>
-            <a:pPr algn="ctr"/>
-            <a:r>
-              <a:rPr lang="zh-CN" altLang="en-US" dirty="0"/>
-              <a:t>步进电机（续）</a:t>
-            </a:r>
-          </a:p>
-        </p:txBody>
-      </p:sp>
-      <p:pic>
-        <p:nvPicPr>
-          <p:cNvPr id="4" name="内容占位符 3">
-            <a:extLst>
-              <a:ext uri="{FF2B5EF4-FFF2-40B4-BE49-F238E27FC236}">
-                <a16:creationId xmlns:a16="http://schemas.microsoft.com/office/drawing/2014/main" id="{78922687-C7EF-4EB5-A7CE-C5C7FBAC7849}"/>
-              </a:ext>
-            </a:extLst>
-          </p:cNvPr>
-          <p:cNvPicPr>
-            <a:picLocks noGrp="1"/>
-          </p:cNvPicPr>
-          <p:nvPr>
-            <p:ph idx="1"/>
-          </p:nvPr>
-        </p:nvPicPr>
-        <p:blipFill>
-          <a:blip r:embed="rId2"/>
-          <a:stretch>
-            <a:fillRect/>
-          </a:stretch>
-        </p:blipFill>
-        <p:spPr>
-          <a:xfrm>
-            <a:off x="3909685" y="2667000"/>
-            <a:ext cx="5072718" cy="3332163"/>
-          </a:xfrm>
-          <a:prstGeom prst="rect">
-            <a:avLst/>
-          </a:prstGeom>
-        </p:spPr>
-      </p:pic>
-    </p:spTree>
-    <p:extLst>
-      <p:ext uri="{BB962C8B-B14F-4D97-AF65-F5344CB8AC3E}">
-        <p14:creationId xmlns:p14="http://schemas.microsoft.com/office/powerpoint/2010/main" val="3773035268"/>
-      </p:ext>
-    </p:extLst>
-  </p:cSld>
-  <p:clrMapOvr>
-    <a:masterClrMapping/>
-  </p:clrMapOvr>
-  <mc:AlternateContent xmlns:mc="http://schemas.openxmlformats.org/markup-compatibility/2006" xmlns:p14="http://schemas.microsoft.com/office/powerpoint/2010/main">
-    <mc:Choice Requires="p14">
-      <p:transition spd="slow" p14:dur="1250">
-        <p:push dir="u"/>
-      </p:transition>
-    </mc:Choice>
-    <mc:Fallback xmlns="">
-      <p:transition spd="slow">
-        <p:push dir="u"/>
-      </p:transition>
-    </mc:Fallback>
-  </mc:AlternateContent>
-</p:sld>
-</file>
-
-<file path=ppt/slides/slide27.xml><?xml version="1.0" encoding="utf-8"?>
-<p:sld xmlns:a="http://schemas.openxmlformats.org/drawingml/2006/main" xmlns:r="http://schemas.openxmlformats.org/officeDocument/2006/relationships" xmlns:p="http://schemas.openxmlformats.org/presentationml/2006/main">
-  <p:cSld>
-    <p:spTree>
-      <p:nvGrpSpPr>
-        <p:cNvPr id="1" name=""/>
-        <p:cNvGrpSpPr/>
-        <p:nvPr/>
-      </p:nvGrpSpPr>
-      <p:grpSpPr>
-        <a:xfrm>
-          <a:off x="0" y="0"/>
-          <a:ext cx="0" cy="0"/>
-          <a:chOff x="0" y="0"/>
-          <a:chExt cx="0" cy="0"/>
-        </a:xfrm>
-      </p:grpSpPr>
-      <p:sp>
-        <p:nvSpPr>
-          <p:cNvPr id="2" name="标题 1">
-            <a:extLst>
-              <a:ext uri="{FF2B5EF4-FFF2-40B4-BE49-F238E27FC236}">
-                <a16:creationId xmlns:a16="http://schemas.microsoft.com/office/drawing/2014/main" id="{9A3D1F3C-5655-4BF0-9A7C-04F9A9269DFF}"/>
-              </a:ext>
-            </a:extLst>
-          </p:cNvPr>
-          <p:cNvSpPr>
-            <a:spLocks noGrp="1"/>
-          </p:cNvSpPr>
-          <p:nvPr>
-            <p:ph type="title"/>
-          </p:nvPr>
-        </p:nvSpPr>
-        <p:spPr/>
-        <p:txBody>
-          <a:bodyPr/>
-          <a:lstStyle/>
-          <a:p>
-            <a:pPr algn="ctr"/>
-            <a:r>
-              <a:rPr lang="zh-CN" altLang="en-US" dirty="0"/>
-              <a:t>步进电机（续）</a:t>
-            </a:r>
-          </a:p>
-        </p:txBody>
-      </p:sp>
-      <p:pic>
-        <p:nvPicPr>
-          <p:cNvPr id="4" name="内容占位符 3">
-            <a:extLst>
-              <a:ext uri="{FF2B5EF4-FFF2-40B4-BE49-F238E27FC236}">
-                <a16:creationId xmlns:a16="http://schemas.microsoft.com/office/drawing/2014/main" id="{2118E80C-3DE5-4091-AD32-AD5593030CB8}"/>
-              </a:ext>
-            </a:extLst>
-          </p:cNvPr>
-          <p:cNvPicPr>
-            <a:picLocks noGrp="1" noChangeAspect="1"/>
-          </p:cNvPicPr>
-          <p:nvPr>
-            <p:ph idx="1"/>
-          </p:nvPr>
-        </p:nvPicPr>
-        <p:blipFill>
-          <a:blip r:embed="rId2"/>
-          <a:stretch>
-            <a:fillRect/>
-          </a:stretch>
-        </p:blipFill>
-        <p:spPr>
-          <a:xfrm>
-            <a:off x="1066095" y="3078552"/>
-            <a:ext cx="5273497" cy="2395936"/>
-          </a:xfrm>
-          <a:prstGeom prst="rect">
-            <a:avLst/>
-          </a:prstGeom>
-        </p:spPr>
-      </p:pic>
-      <p:pic>
-        <p:nvPicPr>
-          <p:cNvPr id="5" name="图片 4">
-            <a:extLst>
-              <a:ext uri="{FF2B5EF4-FFF2-40B4-BE49-F238E27FC236}">
-                <a16:creationId xmlns:a16="http://schemas.microsoft.com/office/drawing/2014/main" id="{37B5E4E7-3D05-422E-BD52-C2A4A8BC92A9}"/>
-              </a:ext>
-            </a:extLst>
-          </p:cNvPr>
-          <p:cNvPicPr>
-            <a:picLocks noChangeAspect="1"/>
-          </p:cNvPicPr>
-          <p:nvPr/>
-        </p:nvPicPr>
-        <p:blipFill>
-          <a:blip r:embed="rId3"/>
-          <a:stretch>
-            <a:fillRect/>
-          </a:stretch>
-        </p:blipFill>
-        <p:spPr>
-          <a:xfrm>
-            <a:off x="6671035" y="3508357"/>
-            <a:ext cx="4548010" cy="1536325"/>
-          </a:xfrm>
-          <a:prstGeom prst="rect">
-            <a:avLst/>
-          </a:prstGeom>
-        </p:spPr>
-      </p:pic>
-    </p:spTree>
-    <p:extLst>
-      <p:ext uri="{BB962C8B-B14F-4D97-AF65-F5344CB8AC3E}">
-        <p14:creationId xmlns:p14="http://schemas.microsoft.com/office/powerpoint/2010/main" val="1746526408"/>
-      </p:ext>
-    </p:extLst>
-  </p:cSld>
-  <p:clrMapOvr>
-    <a:masterClrMapping/>
-  </p:clrMapOvr>
-  <mc:AlternateContent xmlns:mc="http://schemas.openxmlformats.org/markup-compatibility/2006" xmlns:p14="http://schemas.microsoft.com/office/powerpoint/2010/main">
-    <mc:Choice Requires="p14">
-      <p:transition spd="slow" p14:dur="1250">
-        <p:push dir="u"/>
-      </p:transition>
-    </mc:Choice>
-    <mc:Fallback xmlns="">
-      <p:transition spd="slow">
-        <p:push dir="u"/>
-      </p:transition>
-    </mc:Fallback>
-  </mc:AlternateContent>
-</p:sld>
-</file>
-
-<file path=ppt/slides/slide28.xml><?xml version="1.0" encoding="utf-8"?>
-<p:sld xmlns:a="http://schemas.openxmlformats.org/drawingml/2006/main" xmlns:r="http://schemas.openxmlformats.org/officeDocument/2006/relationships" xmlns:p="http://schemas.openxmlformats.org/presentationml/2006/main">
-  <p:cSld>
-    <p:spTree>
-      <p:nvGrpSpPr>
-        <p:cNvPr id="1" name=""/>
-        <p:cNvGrpSpPr/>
-        <p:nvPr/>
-      </p:nvGrpSpPr>
-      <p:grpSpPr>
-        <a:xfrm>
-          <a:off x="0" y="0"/>
-          <a:ext cx="0" cy="0"/>
-          <a:chOff x="0" y="0"/>
-          <a:chExt cx="0" cy="0"/>
-        </a:xfrm>
-      </p:grpSpPr>
-      <p:sp>
-        <p:nvSpPr>
-          <p:cNvPr id="2" name="标题 1">
-            <a:extLst>
-              <a:ext uri="{FF2B5EF4-FFF2-40B4-BE49-F238E27FC236}">
-                <a16:creationId xmlns:a16="http://schemas.microsoft.com/office/drawing/2014/main" id="{40316AF7-23CF-495B-B565-5616E02D6876}"/>
-              </a:ext>
-            </a:extLst>
-          </p:cNvPr>
-          <p:cNvSpPr>
-            <a:spLocks noGrp="1"/>
-          </p:cNvSpPr>
-          <p:nvPr>
-            <p:ph type="title"/>
-          </p:nvPr>
-        </p:nvSpPr>
-        <p:spPr/>
-        <p:txBody>
-          <a:bodyPr>
-            <a:normAutofit/>
-          </a:bodyPr>
-          <a:lstStyle/>
-          <a:p>
-            <a:r>
-              <a:rPr lang="zh-CN" altLang="en-US" sz="2800" dirty="0"/>
-              <a:t>驱动芯片</a:t>
-            </a:r>
-          </a:p>
-        </p:txBody>
-      </p:sp>
-      <p:sp>
-        <p:nvSpPr>
-          <p:cNvPr id="3" name="内容占位符 2">
-            <a:extLst>
-              <a:ext uri="{FF2B5EF4-FFF2-40B4-BE49-F238E27FC236}">
-                <a16:creationId xmlns:a16="http://schemas.microsoft.com/office/drawing/2014/main" id="{FC1FDB36-9106-49F8-A13B-0896920ACB92}"/>
-              </a:ext>
-            </a:extLst>
-          </p:cNvPr>
-          <p:cNvSpPr>
-            <a:spLocks noGrp="1"/>
-          </p:cNvSpPr>
-          <p:nvPr>
-            <p:ph idx="1"/>
-          </p:nvPr>
-        </p:nvSpPr>
-        <p:spPr>
-          <a:xfrm>
-            <a:off x="1309512" y="2007124"/>
-            <a:ext cx="10272889" cy="3332816"/>
-          </a:xfrm>
-        </p:spPr>
-        <p:txBody>
-          <a:bodyPr/>
-          <a:lstStyle/>
-          <a:p>
-            <a:r>
-              <a:rPr lang="zh-CN" altLang="zh-CN" dirty="0"/>
-              <a:t>因本次使用的步进电机功率很小，所以可以直接使用一</a:t>
-            </a:r>
-            <a:r>
-              <a:rPr lang="en-US" altLang="zh-CN" dirty="0"/>
-              <a:t>ULN2003芯</a:t>
-            </a:r>
-            <a:r>
-              <a:rPr lang="zh-CN" altLang="en-US" dirty="0"/>
-              <a:t>片</a:t>
-            </a:r>
-            <a:r>
-              <a:rPr lang="zh-CN" altLang="zh-CN" dirty="0"/>
-              <a:t>进行驱动，如果是大功率的步进电机，是需要对应的驱动板的。</a:t>
-            </a:r>
-            <a:endParaRPr lang="en-US" altLang="zh-CN" dirty="0"/>
-          </a:p>
-          <a:p>
-            <a:r>
-              <a:rPr lang="en-US" altLang="zh-CN" dirty="0"/>
-              <a:t>ULN2003 </a:t>
-            </a:r>
-            <a:r>
-              <a:rPr lang="zh-CN" altLang="zh-CN" dirty="0"/>
-              <a:t>是高耐压、大电流复合晶体管阵列，由七个硅</a:t>
-            </a:r>
-            <a:r>
-              <a:rPr lang="en-US" altLang="zh-CN" dirty="0"/>
-              <a:t>NPN </a:t>
-            </a:r>
-            <a:r>
-              <a:rPr lang="zh-CN" altLang="zh-CN" dirty="0"/>
-              <a:t>复合晶体管组成。可以用来驱动步进电机。</a:t>
-            </a:r>
-            <a:endParaRPr lang="en-US" altLang="zh-CN" dirty="0"/>
-          </a:p>
-          <a:p>
-            <a:r>
-              <a:rPr lang="zh-CN" altLang="en-US" dirty="0"/>
-              <a:t>结构图：</a:t>
-            </a:r>
-          </a:p>
-        </p:txBody>
-      </p:sp>
-      <p:pic>
-        <p:nvPicPr>
-          <p:cNvPr id="4" name="图片 3">
-            <a:extLst>
-              <a:ext uri="{FF2B5EF4-FFF2-40B4-BE49-F238E27FC236}">
-                <a16:creationId xmlns:a16="http://schemas.microsoft.com/office/drawing/2014/main" id="{CF2021BF-50D7-46E6-966B-40D47B99B289}"/>
+                <a16:creationId xmlns:a16="http://schemas.microsoft.com/office/drawing/2014/main" id="{45EACA06-B396-3DD2-8E38-F743F38E4E70}"/>
               </a:ext>
             </a:extLst>
           </p:cNvPr>
@@ -10077,8 +8444,8 @@
         </p:blipFill>
         <p:spPr>
           <a:xfrm>
-            <a:off x="6096000" y="4419600"/>
-            <a:ext cx="2889754" cy="2334970"/>
+            <a:off x="6877686" y="7620"/>
+            <a:ext cx="3772535" cy="673100"/>
           </a:xfrm>
           <a:prstGeom prst="rect">
             <a:avLst/>
@@ -10088,118 +8455,7 @@
     </p:spTree>
     <p:extLst>
       <p:ext uri="{BB962C8B-B14F-4D97-AF65-F5344CB8AC3E}">
-        <p14:creationId xmlns:p14="http://schemas.microsoft.com/office/powerpoint/2010/main" val="3163135603"/>
-      </p:ext>
-    </p:extLst>
-  </p:cSld>
-  <p:clrMapOvr>
-    <a:masterClrMapping/>
-  </p:clrMapOvr>
-  <mc:AlternateContent xmlns:mc="http://schemas.openxmlformats.org/markup-compatibility/2006" xmlns:p14="http://schemas.microsoft.com/office/powerpoint/2010/main">
-    <mc:Choice Requires="p14">
-      <p:transition spd="slow" p14:dur="1250">
-        <p:push dir="u"/>
-      </p:transition>
-    </mc:Choice>
-    <mc:Fallback xmlns="">
-      <p:transition spd="slow">
-        <p:push dir="u"/>
-      </p:transition>
-    </mc:Fallback>
-  </mc:AlternateContent>
-</p:sld>
-</file>
-
-<file path=ppt/slides/slide29.xml><?xml version="1.0" encoding="utf-8"?>
-<p:sld xmlns:a="http://schemas.openxmlformats.org/drawingml/2006/main" xmlns:r="http://schemas.openxmlformats.org/officeDocument/2006/relationships" xmlns:p="http://schemas.openxmlformats.org/presentationml/2006/main">
-  <p:cSld>
-    <p:spTree>
-      <p:nvGrpSpPr>
-        <p:cNvPr id="1" name=""/>
-        <p:cNvGrpSpPr/>
-        <p:nvPr/>
-      </p:nvGrpSpPr>
-      <p:grpSpPr>
-        <a:xfrm>
-          <a:off x="0" y="0"/>
-          <a:ext cx="0" cy="0"/>
-          <a:chOff x="0" y="0"/>
-          <a:chExt cx="0" cy="0"/>
-        </a:xfrm>
-      </p:grpSpPr>
-      <p:sp>
-        <p:nvSpPr>
-          <p:cNvPr id="2" name="标题 1">
-            <a:extLst>
-              <a:ext uri="{FF2B5EF4-FFF2-40B4-BE49-F238E27FC236}">
-                <a16:creationId xmlns:a16="http://schemas.microsoft.com/office/drawing/2014/main" id="{B06B809E-52EF-4C54-8D7D-36E87C8816FD}"/>
-              </a:ext>
-            </a:extLst>
-          </p:cNvPr>
-          <p:cNvSpPr>
-            <a:spLocks noGrp="1"/>
-          </p:cNvSpPr>
-          <p:nvPr>
-            <p:ph type="title"/>
-          </p:nvPr>
-        </p:nvSpPr>
-        <p:spPr/>
-        <p:txBody>
-          <a:bodyPr>
-            <a:normAutofit/>
-          </a:bodyPr>
-          <a:lstStyle/>
-          <a:p>
-            <a:r>
-              <a:rPr lang="zh-CN" altLang="en-US" sz="2800" dirty="0"/>
-              <a:t>相关库</a:t>
-            </a:r>
-          </a:p>
-        </p:txBody>
-      </p:sp>
-      <p:sp>
-        <p:nvSpPr>
-          <p:cNvPr id="3" name="内容占位符 2">
-            <a:extLst>
-              <a:ext uri="{FF2B5EF4-FFF2-40B4-BE49-F238E27FC236}">
-                <a16:creationId xmlns:a16="http://schemas.microsoft.com/office/drawing/2014/main" id="{10D030E1-B885-4C6D-B339-596FA271AFFA}"/>
-              </a:ext>
-            </a:extLst>
-          </p:cNvPr>
-          <p:cNvSpPr>
-            <a:spLocks noGrp="1"/>
-          </p:cNvSpPr>
-          <p:nvPr>
-            <p:ph idx="1"/>
-          </p:nvPr>
-        </p:nvSpPr>
-        <p:spPr/>
-        <p:txBody>
-          <a:bodyPr/>
-          <a:lstStyle/>
-          <a:p>
-            <a:r>
-              <a:rPr lang="zh-CN" altLang="en-US" dirty="0"/>
-              <a:t>参考地址</a:t>
-            </a:r>
-            <a:endParaRPr lang="en-US" altLang="zh-CN" dirty="0"/>
-          </a:p>
-          <a:p>
-            <a:pPr lvl="1"/>
-            <a:r>
-              <a:rPr lang="en-US" altLang="zh-CN" dirty="0">
-                <a:hlinkClick r:id="rId2"/>
-              </a:rPr>
-              <a:t>https://www.arduino.cc/en/Reference/Stepper</a:t>
-            </a:r>
-            <a:endParaRPr lang="zh-CN" altLang="en-US" dirty="0"/>
-          </a:p>
-        </p:txBody>
-      </p:sp>
-    </p:spTree>
-    <p:extLst>
-      <p:ext uri="{BB962C8B-B14F-4D97-AF65-F5344CB8AC3E}">
-        <p14:creationId xmlns:p14="http://schemas.microsoft.com/office/powerpoint/2010/main" val="3877284785"/>
+        <p14:creationId xmlns:p14="http://schemas.microsoft.com/office/powerpoint/2010/main" val="4101773084"/>
       </p:ext>
     </p:extLst>
   </p:cSld>
@@ -10488,709 +8744,40 @@
           </a:prstGeom>
         </p:spPr>
       </p:pic>
-    </p:spTree>
-    <p:extLst>
-      <p:ext uri="{BB962C8B-B14F-4D97-AF65-F5344CB8AC3E}">
-        <p14:creationId xmlns:p14="http://schemas.microsoft.com/office/powerpoint/2010/main" val="2377106381"/>
-      </p:ext>
-    </p:extLst>
-  </p:cSld>
-  <p:clrMapOvr>
-    <a:masterClrMapping/>
-  </p:clrMapOvr>
-  <mc:AlternateContent xmlns:mc="http://schemas.openxmlformats.org/markup-compatibility/2006" xmlns:p14="http://schemas.microsoft.com/office/powerpoint/2010/main">
-    <mc:Choice Requires="p14">
-      <p:transition spd="slow" p14:dur="1250">
-        <p:push dir="u"/>
-      </p:transition>
-    </mc:Choice>
-    <mc:Fallback xmlns="">
-      <p:transition spd="slow">
-        <p:push dir="u"/>
-      </p:transition>
-    </mc:Fallback>
-  </mc:AlternateContent>
-</p:sld>
-</file>
-
-<file path=ppt/slides/slide30.xml><?xml version="1.0" encoding="utf-8"?>
-<p:sld xmlns:a="http://schemas.openxmlformats.org/drawingml/2006/main" xmlns:r="http://schemas.openxmlformats.org/officeDocument/2006/relationships" xmlns:p="http://schemas.openxmlformats.org/presentationml/2006/main">
-  <p:cSld>
-    <p:spTree>
-      <p:nvGrpSpPr>
-        <p:cNvPr id="1" name=""/>
-        <p:cNvGrpSpPr/>
-        <p:nvPr/>
-      </p:nvGrpSpPr>
-      <p:grpSpPr>
-        <a:xfrm>
-          <a:off x="0" y="0"/>
-          <a:ext cx="0" cy="0"/>
-          <a:chOff x="0" y="0"/>
-          <a:chExt cx="0" cy="0"/>
-        </a:xfrm>
-      </p:grpSpPr>
-      <p:sp>
-        <p:nvSpPr>
-          <p:cNvPr id="2" name="标题 1">
+      <p:pic>
+        <p:nvPicPr>
+          <p:cNvPr id="5" name="图片 4">
             <a:extLst>
               <a:ext uri="{FF2B5EF4-FFF2-40B4-BE49-F238E27FC236}">
-                <a16:creationId xmlns:a16="http://schemas.microsoft.com/office/drawing/2014/main" id="{1A561607-4093-4362-AFE7-D0D11E3631B7}"/>
-              </a:ext>
-            </a:extLst>
-          </p:cNvPr>
-          <p:cNvSpPr>
-            <a:spLocks noGrp="1"/>
-          </p:cNvSpPr>
-          <p:nvPr>
-            <p:ph type="title"/>
-          </p:nvPr>
-        </p:nvSpPr>
-        <p:spPr/>
-        <p:txBody>
-          <a:bodyPr/>
-          <a:lstStyle/>
-          <a:p>
-            <a:pPr algn="ctr"/>
-            <a:r>
-              <a:rPr lang="zh-CN" altLang="en-US" dirty="0"/>
-              <a:t>实验</a:t>
-            </a:r>
-            <a:r>
-              <a:rPr lang="en-US" altLang="zh-CN" dirty="0"/>
-              <a:t>27</a:t>
-            </a:r>
-            <a:r>
-              <a:rPr lang="zh-CN" altLang="en-US" dirty="0"/>
-              <a:t>：驱动步进电机</a:t>
-            </a:r>
-          </a:p>
-        </p:txBody>
-      </p:sp>
-      <p:sp>
-        <p:nvSpPr>
-          <p:cNvPr id="3" name="内容占位符 2">
-            <a:extLst>
-              <a:ext uri="{FF2B5EF4-FFF2-40B4-BE49-F238E27FC236}">
-                <a16:creationId xmlns:a16="http://schemas.microsoft.com/office/drawing/2014/main" id="{5450609F-F0E0-4D32-AD98-C814062454FD}"/>
-              </a:ext>
-            </a:extLst>
-          </p:cNvPr>
-          <p:cNvSpPr>
-            <a:spLocks noGrp="1"/>
-          </p:cNvSpPr>
-          <p:nvPr>
-            <p:ph idx="1"/>
-          </p:nvPr>
-        </p:nvSpPr>
-        <p:spPr/>
-        <p:txBody>
-          <a:bodyPr/>
-          <a:lstStyle/>
-          <a:p>
-            <a:pPr lvl="0"/>
-            <a:r>
-              <a:rPr lang="zh-CN" altLang="en-US" dirty="0"/>
-              <a:t>实验器材</a:t>
-            </a:r>
-            <a:endParaRPr lang="en-US" altLang="zh-CN" dirty="0"/>
-          </a:p>
-          <a:p>
-            <a:pPr lvl="1"/>
-            <a:r>
-              <a:rPr lang="en-US" altLang="zh-CN" dirty="0"/>
-              <a:t>Arduino</a:t>
-            </a:r>
-            <a:r>
-              <a:rPr lang="zh-CN" altLang="zh-CN" dirty="0"/>
-              <a:t>开发板</a:t>
-            </a:r>
-          </a:p>
-          <a:p>
-            <a:pPr lvl="1"/>
-            <a:r>
-              <a:rPr lang="zh-CN" altLang="zh-CN" dirty="0"/>
-              <a:t>步进电机</a:t>
-            </a:r>
-            <a:r>
-              <a:rPr lang="en-US" altLang="zh-CN" dirty="0"/>
-              <a:t>1</a:t>
-            </a:r>
-            <a:r>
-              <a:rPr lang="zh-CN" altLang="zh-CN" dirty="0"/>
-              <a:t>个</a:t>
-            </a:r>
-          </a:p>
-          <a:p>
-            <a:pPr lvl="1"/>
-            <a:r>
-              <a:rPr lang="en-US" altLang="zh-CN" dirty="0"/>
-              <a:t>ULN2003</a:t>
-            </a:r>
-            <a:r>
-              <a:rPr lang="zh-CN" altLang="zh-CN" dirty="0"/>
-              <a:t>驱动芯片</a:t>
-            </a:r>
-          </a:p>
-          <a:p>
-            <a:pPr lvl="1"/>
-            <a:r>
-              <a:rPr lang="zh-CN" altLang="zh-CN" dirty="0"/>
-              <a:t>面包板</a:t>
-            </a:r>
-            <a:r>
-              <a:rPr lang="zh-CN" altLang="en-US" dirty="0"/>
-              <a:t>及</a:t>
-            </a:r>
-            <a:r>
-              <a:rPr lang="zh-CN" altLang="zh-CN" dirty="0"/>
-              <a:t>跳线</a:t>
-            </a:r>
-          </a:p>
-        </p:txBody>
-      </p:sp>
-    </p:spTree>
-    <p:extLst>
-      <p:ext uri="{BB962C8B-B14F-4D97-AF65-F5344CB8AC3E}">
-        <p14:creationId xmlns:p14="http://schemas.microsoft.com/office/powerpoint/2010/main" val="1561243500"/>
-      </p:ext>
-    </p:extLst>
-  </p:cSld>
-  <p:clrMapOvr>
-    <a:masterClrMapping/>
-  </p:clrMapOvr>
-  <mc:AlternateContent xmlns:mc="http://schemas.openxmlformats.org/markup-compatibility/2006" xmlns:p14="http://schemas.microsoft.com/office/powerpoint/2010/main">
-    <mc:Choice Requires="p14">
-      <p:transition spd="slow" p14:dur="1250">
-        <p:push dir="u"/>
-      </p:transition>
-    </mc:Choice>
-    <mc:Fallback xmlns="">
-      <p:transition spd="slow">
-        <p:push dir="u"/>
-      </p:transition>
-    </mc:Fallback>
-  </mc:AlternateContent>
-</p:sld>
-</file>
-
-<file path=ppt/slides/slide31.xml><?xml version="1.0" encoding="utf-8"?>
-<p:sld xmlns:a="http://schemas.openxmlformats.org/drawingml/2006/main" xmlns:r="http://schemas.openxmlformats.org/officeDocument/2006/relationships" xmlns:p="http://schemas.openxmlformats.org/presentationml/2006/main">
-  <p:cSld>
-    <p:spTree>
-      <p:nvGrpSpPr>
-        <p:cNvPr id="1" name=""/>
-        <p:cNvGrpSpPr/>
-        <p:nvPr/>
-      </p:nvGrpSpPr>
-      <p:grpSpPr>
-        <a:xfrm>
-          <a:off x="0" y="0"/>
-          <a:ext cx="0" cy="0"/>
-          <a:chOff x="0" y="0"/>
-          <a:chExt cx="0" cy="0"/>
-        </a:xfrm>
-      </p:grpSpPr>
-      <p:sp>
-        <p:nvSpPr>
-          <p:cNvPr id="2" name="标题 1">
-            <a:extLst>
-              <a:ext uri="{FF2B5EF4-FFF2-40B4-BE49-F238E27FC236}">
-                <a16:creationId xmlns:a16="http://schemas.microsoft.com/office/drawing/2014/main" id="{B0113FD9-D594-4FF6-87CB-E4FEBED4BFB4}"/>
-              </a:ext>
-            </a:extLst>
-          </p:cNvPr>
-          <p:cNvSpPr>
-            <a:spLocks noGrp="1"/>
-          </p:cNvSpPr>
-          <p:nvPr>
-            <p:ph type="title"/>
-          </p:nvPr>
-        </p:nvSpPr>
-        <p:spPr/>
-        <p:txBody>
-          <a:bodyPr>
-            <a:normAutofit/>
-          </a:bodyPr>
-          <a:lstStyle/>
-          <a:p>
-            <a:r>
-              <a:rPr lang="zh-CN" altLang="en-US" sz="2800" dirty="0"/>
-              <a:t>实物图</a:t>
-            </a:r>
-          </a:p>
-        </p:txBody>
-      </p:sp>
-      <p:pic>
-        <p:nvPicPr>
-          <p:cNvPr id="4" name="内容占位符 3" descr="Snap1.jpg">
-            <a:extLst>
-              <a:ext uri="{FF2B5EF4-FFF2-40B4-BE49-F238E27FC236}">
-                <a16:creationId xmlns:a16="http://schemas.microsoft.com/office/drawing/2014/main" id="{38643D14-90AC-4816-A5A5-D7FCDEB5FB58}"/>
+                <a16:creationId xmlns:a16="http://schemas.microsoft.com/office/drawing/2014/main" id="{2D85C05C-5A69-475F-0A61-7704F11FD9E6}"/>
               </a:ext>
             </a:extLst>
           </p:cNvPr>
           <p:cNvPicPr>
-            <a:picLocks noGrp="1"/>
+            <a:picLocks noChangeAspect="1"/>
           </p:cNvPicPr>
-          <p:nvPr>
-            <p:ph idx="1"/>
-          </p:nvPr>
+          <p:nvPr/>
         </p:nvPicPr>
         <p:blipFill>
-          <a:blip r:embed="rId2"/>
+          <a:blip r:embed="rId3"/>
           <a:stretch>
             <a:fillRect/>
           </a:stretch>
         </p:blipFill>
         <p:spPr>
           <a:xfrm>
-            <a:off x="4451978" y="2667000"/>
-            <a:ext cx="3988132" cy="3332163"/>
+            <a:off x="6877686" y="7620"/>
+            <a:ext cx="3772535" cy="673100"/>
           </a:xfrm>
           <a:prstGeom prst="rect">
             <a:avLst/>
           </a:prstGeom>
-          <a:noFill/>
-          <a:ln w="9525">
-            <a:noFill/>
-          </a:ln>
         </p:spPr>
       </p:pic>
     </p:spTree>
     <p:extLst>
       <p:ext uri="{BB962C8B-B14F-4D97-AF65-F5344CB8AC3E}">
-        <p14:creationId xmlns:p14="http://schemas.microsoft.com/office/powerpoint/2010/main" val="3288662543"/>
-      </p:ext>
-    </p:extLst>
-  </p:cSld>
-  <p:clrMapOvr>
-    <a:masterClrMapping/>
-  </p:clrMapOvr>
-  <mc:AlternateContent xmlns:mc="http://schemas.openxmlformats.org/markup-compatibility/2006" xmlns:p14="http://schemas.microsoft.com/office/powerpoint/2010/main">
-    <mc:Choice Requires="p14">
-      <p:transition spd="slow" p14:dur="1250">
-        <p:push dir="u"/>
-      </p:transition>
-    </mc:Choice>
-    <mc:Fallback xmlns="">
-      <p:transition spd="slow">
-        <p:push dir="u"/>
-      </p:transition>
-    </mc:Fallback>
-  </mc:AlternateContent>
-</p:sld>
-</file>
-
-<file path=ppt/slides/slide32.xml><?xml version="1.0" encoding="utf-8"?>
-<p:sld xmlns:a="http://schemas.openxmlformats.org/drawingml/2006/main" xmlns:r="http://schemas.openxmlformats.org/officeDocument/2006/relationships" xmlns:p="http://schemas.openxmlformats.org/presentationml/2006/main">
-  <p:cSld>
-    <p:spTree>
-      <p:nvGrpSpPr>
-        <p:cNvPr id="1" name=""/>
-        <p:cNvGrpSpPr/>
-        <p:nvPr/>
-      </p:nvGrpSpPr>
-      <p:grpSpPr>
-        <a:xfrm>
-          <a:off x="0" y="0"/>
-          <a:ext cx="0" cy="0"/>
-          <a:chOff x="0" y="0"/>
-          <a:chExt cx="0" cy="0"/>
-        </a:xfrm>
-      </p:grpSpPr>
-      <p:sp>
-        <p:nvSpPr>
-          <p:cNvPr id="2" name="标题 1">
-            <a:extLst>
-              <a:ext uri="{FF2B5EF4-FFF2-40B4-BE49-F238E27FC236}">
-                <a16:creationId xmlns:a16="http://schemas.microsoft.com/office/drawing/2014/main" id="{76537ABE-5012-42A5-BAFB-DC590C22ABC3}"/>
-              </a:ext>
-            </a:extLst>
-          </p:cNvPr>
-          <p:cNvSpPr>
-            <a:spLocks noGrp="1"/>
-          </p:cNvSpPr>
-          <p:nvPr>
-            <p:ph type="title"/>
-          </p:nvPr>
-        </p:nvSpPr>
-        <p:spPr/>
-        <p:txBody>
-          <a:bodyPr/>
-          <a:lstStyle/>
-          <a:p>
-            <a:r>
-              <a:rPr lang="zh-CN" altLang="en-US" dirty="0"/>
-              <a:t>问题：步进电机只向一个方向转</a:t>
-            </a:r>
-          </a:p>
-        </p:txBody>
-      </p:sp>
-      <p:pic>
-        <p:nvPicPr>
-          <p:cNvPr id="1026" name="Picture 2">
-            <a:extLst>
-              <a:ext uri="{FF2B5EF4-FFF2-40B4-BE49-F238E27FC236}">
-                <a16:creationId xmlns:a16="http://schemas.microsoft.com/office/drawing/2014/main" id="{49BB76CA-7818-4347-9B74-D6E3675B5B26}"/>
-              </a:ext>
-            </a:extLst>
-          </p:cNvPr>
-          <p:cNvPicPr>
-            <a:picLocks noGrp="1" noChangeAspect="1" noChangeArrowheads="1"/>
-          </p:cNvPicPr>
-          <p:nvPr>
-            <p:ph idx="1"/>
-          </p:nvPr>
-        </p:nvPicPr>
-        <p:blipFill>
-          <a:blip r:embed="rId2">
-            <a:extLst>
-              <a:ext uri="{28A0092B-C50C-407E-A947-70E740481C1C}">
-                <a14:useLocalDpi xmlns:a14="http://schemas.microsoft.com/office/drawing/2010/main" val="0"/>
-              </a:ext>
-            </a:extLst>
-          </a:blip>
-          <a:srcRect/>
-          <a:stretch>
-            <a:fillRect/>
-          </a:stretch>
-        </p:blipFill>
-        <p:spPr bwMode="auto">
-          <a:xfrm>
-            <a:off x="7886266" y="2438401"/>
-            <a:ext cx="2996222" cy="3332163"/>
-          </a:xfrm>
-          <a:prstGeom prst="rect">
-            <a:avLst/>
-          </a:prstGeom>
-          <a:noFill/>
-          <a:extLst>
-            <a:ext uri="{909E8E84-426E-40DD-AFC4-6F175D3DCCD1}">
-              <a14:hiddenFill xmlns:a14="http://schemas.microsoft.com/office/drawing/2010/main">
-                <a:solidFill>
-                  <a:srgbClr val="FFFFFF"/>
-                </a:solidFill>
-              </a14:hiddenFill>
-            </a:ext>
-          </a:extLst>
-        </p:spPr>
-      </p:pic>
-      <p:sp>
-        <p:nvSpPr>
-          <p:cNvPr id="4" name="文本框 3">
-            <a:extLst>
-              <a:ext uri="{FF2B5EF4-FFF2-40B4-BE49-F238E27FC236}">
-                <a16:creationId xmlns:a16="http://schemas.microsoft.com/office/drawing/2014/main" id="{B5F57E67-2585-43E9-8C6C-D7643CA53112}"/>
-              </a:ext>
-            </a:extLst>
-          </p:cNvPr>
-          <p:cNvSpPr txBox="1"/>
-          <p:nvPr/>
-        </p:nvSpPr>
-        <p:spPr>
-          <a:xfrm>
-            <a:off x="2340975" y="2811820"/>
-            <a:ext cx="4845378" cy="2585323"/>
-          </a:xfrm>
-          <a:prstGeom prst="rect">
-            <a:avLst/>
-          </a:prstGeom>
-          <a:noFill/>
-        </p:spPr>
-        <p:txBody>
-          <a:bodyPr wrap="square" rtlCol="0">
-            <a:spAutoFit/>
-          </a:bodyPr>
-          <a:lstStyle/>
-          <a:p>
-            <a:pPr marL="342900" indent="-342900">
-              <a:buFont typeface="+mj-lt"/>
-              <a:buAutoNum type="arabicPeriod"/>
-            </a:pPr>
-            <a:r>
-              <a:rPr lang="zh-CN" altLang="en-US" dirty="0"/>
-              <a:t>假设电机与</a:t>
-            </a:r>
-            <a:r>
-              <a:rPr lang="en-US" altLang="zh-CN" dirty="0"/>
-              <a:t>Arduino</a:t>
-            </a:r>
-            <a:r>
-              <a:rPr lang="zh-CN" altLang="en-US" dirty="0"/>
-              <a:t>接口</a:t>
-            </a:r>
-            <a:r>
-              <a:rPr lang="en-US" altLang="zh-CN" dirty="0"/>
-              <a:t>2</a:t>
-            </a:r>
-            <a:r>
-              <a:rPr lang="zh-CN" altLang="en-US" dirty="0"/>
-              <a:t>、</a:t>
-            </a:r>
-            <a:r>
-              <a:rPr lang="en-US" altLang="zh-CN" dirty="0"/>
-              <a:t>3</a:t>
-            </a:r>
-            <a:r>
-              <a:rPr lang="zh-CN" altLang="en-US" dirty="0"/>
-              <a:t>、</a:t>
-            </a:r>
-            <a:r>
-              <a:rPr lang="en-US" altLang="zh-CN" dirty="0"/>
-              <a:t>4</a:t>
-            </a:r>
-            <a:r>
-              <a:rPr lang="zh-CN" altLang="en-US" dirty="0"/>
-              <a:t>、</a:t>
-            </a:r>
-            <a:r>
-              <a:rPr lang="en-US" altLang="zh-CN" dirty="0"/>
-              <a:t>5</a:t>
-            </a:r>
-            <a:r>
-              <a:rPr lang="zh-CN" altLang="en-US" dirty="0"/>
-              <a:t>连接。</a:t>
-            </a:r>
-            <a:endParaRPr lang="en-US" altLang="zh-CN" dirty="0"/>
-          </a:p>
-          <a:p>
-            <a:pPr marL="342900" indent="-342900">
-              <a:buFont typeface="+mj-lt"/>
-              <a:buAutoNum type="arabicPeriod"/>
-            </a:pPr>
-            <a:r>
-              <a:rPr lang="zh-CN" altLang="en-US" dirty="0"/>
-              <a:t>颜色表示电机延伸的</a:t>
-            </a:r>
-            <a:r>
-              <a:rPr lang="en-US" altLang="zh-CN" dirty="0"/>
-              <a:t>5</a:t>
-            </a:r>
-            <a:r>
-              <a:rPr lang="zh-CN" altLang="en-US" dirty="0"/>
-              <a:t>根导线，其编号为</a:t>
-            </a:r>
-            <a:r>
-              <a:rPr lang="en-US" altLang="zh-CN" dirty="0"/>
-              <a:t>1-5</a:t>
-            </a:r>
-            <a:r>
-              <a:rPr lang="zh-CN" altLang="en-US" dirty="0"/>
-              <a:t>。其中编号</a:t>
-            </a:r>
-            <a:r>
-              <a:rPr lang="en-US" altLang="zh-CN" dirty="0"/>
-              <a:t>5</a:t>
-            </a:r>
-            <a:r>
-              <a:rPr lang="zh-CN" altLang="en-US" dirty="0"/>
-              <a:t>为电源正极，编号</a:t>
-            </a:r>
-            <a:r>
-              <a:rPr lang="en-US" altLang="zh-CN" dirty="0"/>
-              <a:t>1-4</a:t>
-            </a:r>
-            <a:r>
-              <a:rPr lang="zh-CN" altLang="en-US" dirty="0"/>
-              <a:t>和</a:t>
-            </a:r>
-            <a:r>
-              <a:rPr lang="en-US" altLang="zh-CN" dirty="0"/>
-              <a:t>ULN2003</a:t>
-            </a:r>
-            <a:r>
-              <a:rPr lang="zh-CN" altLang="zh-CN" dirty="0"/>
-              <a:t>驱动芯片</a:t>
-            </a:r>
-            <a:r>
-              <a:rPr lang="zh-CN" altLang="en-US" dirty="0"/>
-              <a:t>的</a:t>
-            </a:r>
-            <a:r>
-              <a:rPr lang="en-US" altLang="zh-CN" dirty="0"/>
-              <a:t>IN1-IN4</a:t>
-            </a:r>
-            <a:r>
-              <a:rPr lang="zh-CN" altLang="en-US" dirty="0"/>
-              <a:t>一一对应。</a:t>
-            </a:r>
-            <a:endParaRPr lang="en-US" altLang="zh-CN" dirty="0"/>
-          </a:p>
-          <a:p>
-            <a:pPr marL="342900" indent="-342900">
-              <a:buFont typeface="+mj-lt"/>
-              <a:buAutoNum type="arabicPeriod"/>
-            </a:pPr>
-            <a:r>
-              <a:rPr lang="zh-CN" altLang="en-US" dirty="0"/>
-              <a:t>在使用</a:t>
-            </a:r>
-            <a:r>
-              <a:rPr lang="en-US" altLang="zh-CN" dirty="0"/>
-              <a:t>stepper</a:t>
-            </a:r>
-            <a:r>
-              <a:rPr lang="zh-CN" altLang="en-US" dirty="0"/>
-              <a:t>类创建实例时，入参的四个接口为</a:t>
-            </a:r>
-            <a:r>
-              <a:rPr lang="en-US" altLang="zh-CN" dirty="0"/>
-              <a:t>2</a:t>
-            </a:r>
-            <a:r>
-              <a:rPr lang="zh-CN" altLang="en-US" dirty="0"/>
-              <a:t>、</a:t>
-            </a:r>
-            <a:r>
-              <a:rPr lang="en-US" altLang="zh-CN" dirty="0"/>
-              <a:t>3</a:t>
-            </a:r>
-            <a:r>
-              <a:rPr lang="zh-CN" altLang="en-US" dirty="0"/>
-              <a:t>、</a:t>
-            </a:r>
-            <a:r>
-              <a:rPr lang="en-US" altLang="zh-CN" dirty="0"/>
-              <a:t>4</a:t>
-            </a:r>
-            <a:r>
-              <a:rPr lang="zh-CN" altLang="en-US" dirty="0"/>
-              <a:t>、</a:t>
-            </a:r>
-            <a:r>
-              <a:rPr lang="en-US" altLang="zh-CN" dirty="0"/>
-              <a:t>5</a:t>
-            </a:r>
-            <a:r>
-              <a:rPr lang="zh-CN" altLang="en-US" dirty="0"/>
-              <a:t>，对应的顺序应该是</a:t>
-            </a:r>
-            <a:r>
-              <a:rPr lang="en-US" altLang="zh-CN" dirty="0"/>
-              <a:t>IN1</a:t>
-            </a:r>
-            <a:r>
-              <a:rPr lang="zh-CN" altLang="en-US" dirty="0"/>
-              <a:t>，</a:t>
-            </a:r>
-            <a:r>
-              <a:rPr lang="en-US" altLang="zh-CN" dirty="0"/>
-              <a:t>IN3</a:t>
-            </a:r>
-            <a:r>
-              <a:rPr lang="zh-CN" altLang="en-US" dirty="0"/>
-              <a:t>，</a:t>
-            </a:r>
-            <a:r>
-              <a:rPr lang="en-US" altLang="zh-CN" dirty="0"/>
-              <a:t>IN2</a:t>
-            </a:r>
-            <a:r>
-              <a:rPr lang="zh-CN" altLang="en-US" dirty="0"/>
-              <a:t>，</a:t>
-            </a:r>
-            <a:r>
-              <a:rPr lang="en-US" altLang="zh-CN" dirty="0"/>
-              <a:t>IN4</a:t>
-            </a:r>
-            <a:r>
-              <a:rPr lang="zh-CN" altLang="en-US" dirty="0"/>
-              <a:t>。（解决步进电机只向一个方向转）</a:t>
-            </a:r>
-            <a:endParaRPr lang="en-US" altLang="zh-CN" dirty="0"/>
-          </a:p>
-          <a:p>
-            <a:pPr marL="342900" indent="-342900">
-              <a:buFont typeface="+mj-lt"/>
-              <a:buAutoNum type="arabicPeriod"/>
-            </a:pPr>
-            <a:endParaRPr lang="zh-CN" altLang="en-US" dirty="0"/>
-          </a:p>
-        </p:txBody>
-      </p:sp>
-    </p:spTree>
-    <p:extLst>
-      <p:ext uri="{BB962C8B-B14F-4D97-AF65-F5344CB8AC3E}">
-        <p14:creationId xmlns:p14="http://schemas.microsoft.com/office/powerpoint/2010/main" val="3796712524"/>
-      </p:ext>
-    </p:extLst>
-  </p:cSld>
-  <p:clrMapOvr>
-    <a:masterClrMapping/>
-  </p:clrMapOvr>
-  <mc:AlternateContent xmlns:mc="http://schemas.openxmlformats.org/markup-compatibility/2006" xmlns:p14="http://schemas.microsoft.com/office/powerpoint/2010/main">
-    <mc:Choice Requires="p14">
-      <p:transition spd="slow" p14:dur="1250">
-        <p:push dir="u"/>
-      </p:transition>
-    </mc:Choice>
-    <mc:Fallback xmlns="">
-      <p:transition spd="slow">
-        <p:push dir="u"/>
-      </p:transition>
-    </mc:Fallback>
-  </mc:AlternateContent>
-</p:sld>
-</file>
-
-<file path=ppt/slides/slide33.xml><?xml version="1.0" encoding="utf-8"?>
-<p:sld xmlns:a="http://schemas.openxmlformats.org/drawingml/2006/main" xmlns:r="http://schemas.openxmlformats.org/officeDocument/2006/relationships" xmlns:p="http://schemas.openxmlformats.org/presentationml/2006/main">
-  <p:cSld>
-    <p:spTree>
-      <p:nvGrpSpPr>
-        <p:cNvPr id="1" name=""/>
-        <p:cNvGrpSpPr/>
-        <p:nvPr/>
-      </p:nvGrpSpPr>
-      <p:grpSpPr>
-        <a:xfrm>
-          <a:off x="0" y="0"/>
-          <a:ext cx="0" cy="0"/>
-          <a:chOff x="0" y="0"/>
-          <a:chExt cx="0" cy="0"/>
-        </a:xfrm>
-      </p:grpSpPr>
-      <p:sp>
-        <p:nvSpPr>
-          <p:cNvPr id="2" name="标题 1">
-            <a:extLst>
-              <a:ext uri="{FF2B5EF4-FFF2-40B4-BE49-F238E27FC236}">
-                <a16:creationId xmlns:a16="http://schemas.microsoft.com/office/drawing/2014/main" id="{36C0CBB2-7A7E-406D-95F1-15A6869E6851}"/>
-              </a:ext>
-            </a:extLst>
-          </p:cNvPr>
-          <p:cNvSpPr>
-            <a:spLocks noGrp="1"/>
-          </p:cNvSpPr>
-          <p:nvPr>
-            <p:ph type="title"/>
-          </p:nvPr>
-        </p:nvSpPr>
-        <p:spPr/>
-        <p:txBody>
-          <a:bodyPr/>
-          <a:lstStyle/>
-          <a:p>
-            <a:r>
-              <a:rPr lang="zh-CN" altLang="en-US" dirty="0"/>
-              <a:t>实验</a:t>
-            </a:r>
-            <a:r>
-              <a:rPr lang="en-US" altLang="zh-CN" dirty="0"/>
-              <a:t>28</a:t>
-            </a:r>
-            <a:r>
-              <a:rPr lang="zh-CN" altLang="en-US" dirty="0"/>
-              <a:t>：电位器控制步进电机</a:t>
-            </a:r>
-          </a:p>
-        </p:txBody>
-      </p:sp>
-    </p:spTree>
-    <p:extLst>
-      <p:ext uri="{BB962C8B-B14F-4D97-AF65-F5344CB8AC3E}">
-        <p14:creationId xmlns:p14="http://schemas.microsoft.com/office/powerpoint/2010/main" val="2370735246"/>
+        <p14:creationId xmlns:p14="http://schemas.microsoft.com/office/powerpoint/2010/main" val="2377106381"/>
       </p:ext>
     </p:extLst>
   </p:cSld>
@@ -11322,6 +8909,36 @@
           </a:p>
         </p:txBody>
       </p:sp>
+      <p:pic>
+        <p:nvPicPr>
+          <p:cNvPr id="4" name="图片 3">
+            <a:extLst>
+              <a:ext uri="{FF2B5EF4-FFF2-40B4-BE49-F238E27FC236}">
+                <a16:creationId xmlns:a16="http://schemas.microsoft.com/office/drawing/2014/main" id="{521F857D-6948-852B-F5CB-01354679808D}"/>
+              </a:ext>
+            </a:extLst>
+          </p:cNvPr>
+          <p:cNvPicPr>
+            <a:picLocks noChangeAspect="1"/>
+          </p:cNvPicPr>
+          <p:nvPr/>
+        </p:nvPicPr>
+        <p:blipFill>
+          <a:blip r:embed="rId2"/>
+          <a:stretch>
+            <a:fillRect/>
+          </a:stretch>
+        </p:blipFill>
+        <p:spPr>
+          <a:xfrm>
+            <a:off x="6877686" y="7620"/>
+            <a:ext cx="3772535" cy="673100"/>
+          </a:xfrm>
+          <a:prstGeom prst="rect">
+            <a:avLst/>
+          </a:prstGeom>
+        </p:spPr>
+      </p:pic>
     </p:spTree>
     <p:extLst>
       <p:ext uri="{BB962C8B-B14F-4D97-AF65-F5344CB8AC3E}">
@@ -11692,6 +9309,36 @@
           </a:p>
         </p:txBody>
       </p:sp>
+      <p:pic>
+        <p:nvPicPr>
+          <p:cNvPr id="4" name="图片 3">
+            <a:extLst>
+              <a:ext uri="{FF2B5EF4-FFF2-40B4-BE49-F238E27FC236}">
+                <a16:creationId xmlns:a16="http://schemas.microsoft.com/office/drawing/2014/main" id="{473A56CB-4B3F-7031-7B14-27BD0FD8918F}"/>
+              </a:ext>
+            </a:extLst>
+          </p:cNvPr>
+          <p:cNvPicPr>
+            <a:picLocks noChangeAspect="1"/>
+          </p:cNvPicPr>
+          <p:nvPr/>
+        </p:nvPicPr>
+        <p:blipFill>
+          <a:blip r:embed="rId2"/>
+          <a:stretch>
+            <a:fillRect/>
+          </a:stretch>
+        </p:blipFill>
+        <p:spPr>
+          <a:xfrm>
+            <a:off x="6877686" y="7620"/>
+            <a:ext cx="3772535" cy="673100"/>
+          </a:xfrm>
+          <a:prstGeom prst="rect">
+            <a:avLst/>
+          </a:prstGeom>
+        </p:spPr>
+      </p:pic>
     </p:spTree>
     <p:extLst>
       <p:ext uri="{BB962C8B-B14F-4D97-AF65-F5344CB8AC3E}">
@@ -11856,6 +9503,36 @@
           </a:p>
         </p:txBody>
       </p:sp>
+      <p:pic>
+        <p:nvPicPr>
+          <p:cNvPr id="4" name="图片 3">
+            <a:extLst>
+              <a:ext uri="{FF2B5EF4-FFF2-40B4-BE49-F238E27FC236}">
+                <a16:creationId xmlns:a16="http://schemas.microsoft.com/office/drawing/2014/main" id="{6B257CD9-6233-C3DE-EB9D-403C8039D170}"/>
+              </a:ext>
+            </a:extLst>
+          </p:cNvPr>
+          <p:cNvPicPr>
+            <a:picLocks noChangeAspect="1"/>
+          </p:cNvPicPr>
+          <p:nvPr/>
+        </p:nvPicPr>
+        <p:blipFill>
+          <a:blip r:embed="rId2"/>
+          <a:stretch>
+            <a:fillRect/>
+          </a:stretch>
+        </p:blipFill>
+        <p:spPr>
+          <a:xfrm>
+            <a:off x="6877686" y="7620"/>
+            <a:ext cx="3772535" cy="673100"/>
+          </a:xfrm>
+          <a:prstGeom prst="rect">
+            <a:avLst/>
+          </a:prstGeom>
+        </p:spPr>
+      </p:pic>
     </p:spTree>
     <p:extLst>
       <p:ext uri="{BB962C8B-B14F-4D97-AF65-F5344CB8AC3E}">
@@ -11954,6 +9631,36 @@
           <a:xfrm>
             <a:off x="3407481" y="2049461"/>
             <a:ext cx="6076950" cy="4351338"/>
+          </a:xfrm>
+          <a:prstGeom prst="rect">
+            <a:avLst/>
+          </a:prstGeom>
+        </p:spPr>
+      </p:pic>
+      <p:pic>
+        <p:nvPicPr>
+          <p:cNvPr id="5" name="图片 4">
+            <a:extLst>
+              <a:ext uri="{FF2B5EF4-FFF2-40B4-BE49-F238E27FC236}">
+                <a16:creationId xmlns:a16="http://schemas.microsoft.com/office/drawing/2014/main" id="{681400F3-0818-7737-F5E5-29DF77EB58D8}"/>
+              </a:ext>
+            </a:extLst>
+          </p:cNvPr>
+          <p:cNvPicPr>
+            <a:picLocks noChangeAspect="1"/>
+          </p:cNvPicPr>
+          <p:nvPr/>
+        </p:nvPicPr>
+        <p:blipFill>
+          <a:blip r:embed="rId3"/>
+          <a:stretch>
+            <a:fillRect/>
+          </a:stretch>
+        </p:blipFill>
+        <p:spPr>
+          <a:xfrm>
+            <a:off x="6877686" y="7620"/>
+            <a:ext cx="3772535" cy="673100"/>
           </a:xfrm>
           <a:prstGeom prst="rect">
             <a:avLst/>
@@ -12132,6 +9839,36 @@
           </a:prstGeom>
         </p:spPr>
       </p:pic>
+      <p:pic>
+        <p:nvPicPr>
+          <p:cNvPr id="5" name="图片 4">
+            <a:extLst>
+              <a:ext uri="{FF2B5EF4-FFF2-40B4-BE49-F238E27FC236}">
+                <a16:creationId xmlns:a16="http://schemas.microsoft.com/office/drawing/2014/main" id="{F7C1FCB9-BADE-0089-9F50-9A52537DAACA}"/>
+              </a:ext>
+            </a:extLst>
+          </p:cNvPr>
+          <p:cNvPicPr>
+            <a:picLocks noChangeAspect="1"/>
+          </p:cNvPicPr>
+          <p:nvPr/>
+        </p:nvPicPr>
+        <p:blipFill>
+          <a:blip r:embed="rId3"/>
+          <a:stretch>
+            <a:fillRect/>
+          </a:stretch>
+        </p:blipFill>
+        <p:spPr>
+          <a:xfrm>
+            <a:off x="6877686" y="7620"/>
+            <a:ext cx="3772535" cy="673100"/>
+          </a:xfrm>
+          <a:prstGeom prst="rect">
+            <a:avLst/>
+          </a:prstGeom>
+        </p:spPr>
+      </p:pic>
     </p:spTree>
     <p:extLst>
       <p:ext uri="{BB962C8B-B14F-4D97-AF65-F5344CB8AC3E}">
@@ -12343,6 +10080,36 @@
           </a:p>
         </p:txBody>
       </p:sp>
+      <p:pic>
+        <p:nvPicPr>
+          <p:cNvPr id="4" name="图片 3">
+            <a:extLst>
+              <a:ext uri="{FF2B5EF4-FFF2-40B4-BE49-F238E27FC236}">
+                <a16:creationId xmlns:a16="http://schemas.microsoft.com/office/drawing/2014/main" id="{E39E0B46-6B68-B41A-5C1B-9E3A3929E477}"/>
+              </a:ext>
+            </a:extLst>
+          </p:cNvPr>
+          <p:cNvPicPr>
+            <a:picLocks noChangeAspect="1"/>
+          </p:cNvPicPr>
+          <p:nvPr/>
+        </p:nvPicPr>
+        <p:blipFill>
+          <a:blip r:embed="rId2"/>
+          <a:stretch>
+            <a:fillRect/>
+          </a:stretch>
+        </p:blipFill>
+        <p:spPr>
+          <a:xfrm>
+            <a:off x="6877686" y="7620"/>
+            <a:ext cx="3772535" cy="673100"/>
+          </a:xfrm>
+          <a:prstGeom prst="rect">
+            <a:avLst/>
+          </a:prstGeom>
+        </p:spPr>
+      </p:pic>
     </p:spTree>
     <p:extLst>
       <p:ext uri="{BB962C8B-B14F-4D97-AF65-F5344CB8AC3E}">
